--- a/course_material/slides/os_system.pptx
+++ b/course_material/slides/os_system.pptx
@@ -15,12 +15,10 @@
     <p:sldId id="266" r:id="rId9"/>
     <p:sldId id="267" r:id="rId10"/>
     <p:sldId id="269" r:id="rId11"/>
-    <p:sldId id="268" r:id="rId12"/>
-    <p:sldId id="271" r:id="rId13"/>
-    <p:sldId id="263" r:id="rId14"/>
-    <p:sldId id="264" r:id="rId15"/>
-    <p:sldId id="262" r:id="rId16"/>
-    <p:sldId id="270" r:id="rId17"/>
+    <p:sldId id="271" r:id="rId12"/>
+    <p:sldId id="263" r:id="rId13"/>
+    <p:sldId id="264" r:id="rId14"/>
+    <p:sldId id="270" r:id="rId15"/>
   </p:sldIdLst>
   <p:sldSz cx="12192000" cy="6858000"/>
   <p:notesSz cx="6858000" cy="9144000"/>
@@ -3875,7 +3873,7 @@
           <p:cNvPr id="2" name="Title 1">
             <a:extLst>
               <a:ext uri="{FF2B5EF4-FFF2-40B4-BE49-F238E27FC236}">
-                <a16:creationId xmlns:a16="http://schemas.microsoft.com/office/drawing/2014/main" id="{FB940B45-CDF5-EC08-3FBE-91E9302B4EEA}"/>
+                <a16:creationId xmlns:a16="http://schemas.microsoft.com/office/drawing/2014/main" id="{C9D3110B-0EE3-55D4-C37C-4E8EF9BD9FEA}"/>
               </a:ext>
             </a:extLst>
           </p:cNvPr>
@@ -3893,7 +3891,7 @@
           <a:p>
             <a:r>
               <a:rPr lang="en-US" dirty="0"/>
-              <a:t>Read/Write Notes</a:t>
+              <a:t>Seek/Tell</a:t>
             </a:r>
           </a:p>
         </p:txBody>
@@ -3903,7 +3901,7 @@
           <p:cNvPr id="3" name="Content Placeholder 2">
             <a:extLst>
               <a:ext uri="{FF2B5EF4-FFF2-40B4-BE49-F238E27FC236}">
-                <a16:creationId xmlns:a16="http://schemas.microsoft.com/office/drawing/2014/main" id="{FF6601CD-5DEC-54AA-6F88-05A1F5E59C1E}"/>
+                <a16:creationId xmlns:a16="http://schemas.microsoft.com/office/drawing/2014/main" id="{A3824715-03C1-9AB8-D753-E31F585FD047}"/>
               </a:ext>
             </a:extLst>
           </p:cNvPr>
@@ -3916,8 +3914,8 @@
         </p:nvSpPr>
         <p:spPr>
           <a:xfrm>
-            <a:off x="1451579" y="1853754"/>
-            <a:ext cx="9603275" cy="4199727"/>
+            <a:off x="172721" y="2015732"/>
+            <a:ext cx="7741919" cy="4037749"/>
           </a:xfrm>
         </p:spPr>
         <p:txBody>
@@ -3926,28 +3924,98 @@
           <a:p>
             <a:r>
               <a:rPr lang="en-US" dirty="0"/>
-              <a:t>Reading and writing to a file like this is annoying to do. </a:t>
+              <a:t>While in a file, we move around just like a cursor in word. </a:t>
+            </a:r>
+          </a:p>
+          <a:p>
+            <a:r>
+              <a:rPr lang="en-US" dirty="0"/>
+              <a:t>If we want to do anything, that thing will happen at our current position. </a:t>
             </a:r>
           </a:p>
           <a:p>
             <a:pPr lvl="1"/>
             <a:r>
               <a:rPr lang="en-US" dirty="0"/>
-              <a:t>We usually use a more purpose-built library that does this for us like Pandas. </a:t>
-            </a:r>
-          </a:p>
-          <a:p>
-            <a:r>
-              <a:rPr lang="en-US" dirty="0"/>
-              <a:t>If we are doing something small like writing errors to a log or similar, this works well. </a:t>
-            </a:r>
-          </a:p>
-        </p:txBody>
-      </p:sp>
+              <a:t>If we are working in a file, we may need to move around. </a:t>
+            </a:r>
+          </a:p>
+          <a:p>
+            <a:r>
+              <a:rPr lang="en-US" dirty="0"/>
+              <a:t>Seek and Tell can tell us where we are, and take us where we want to go. </a:t>
+            </a:r>
+          </a:p>
+          <a:p>
+            <a:r>
+              <a:rPr lang="en-US" dirty="0"/>
+              <a:t>Tell gives us back the position in the file. </a:t>
+            </a:r>
+          </a:p>
+          <a:p>
+            <a:r>
+              <a:rPr lang="en-US" dirty="0"/>
+              <a:t>Seek takes us to a new position, offset be some value from a reference.</a:t>
+            </a:r>
+          </a:p>
+          <a:p>
+            <a:pPr lvl="1"/>
+            <a:r>
+              <a:rPr lang="en-US" dirty="0"/>
+              <a:t>The reference is either the start, where we are now, or the end. </a:t>
+            </a:r>
+          </a:p>
+        </p:txBody>
+      </p:sp>
+      <p:pic>
+        <p:nvPicPr>
+          <p:cNvPr id="3074" name="Picture 2" descr="Difference Between seek() &amp; tell() And How To Use">
+            <a:extLst>
+              <a:ext uri="{FF2B5EF4-FFF2-40B4-BE49-F238E27FC236}">
+                <a16:creationId xmlns:a16="http://schemas.microsoft.com/office/drawing/2014/main" id="{B48B8C75-20D5-B133-C856-3578C8ED42D4}"/>
+              </a:ext>
+            </a:extLst>
+          </p:cNvPr>
+          <p:cNvPicPr>
+            <a:picLocks noChangeAspect="1" noChangeArrowheads="1"/>
+          </p:cNvPicPr>
+          <p:nvPr/>
+        </p:nvPicPr>
+        <p:blipFill rotWithShape="1">
+          <a:blip r:embed="rId2">
+            <a:extLst>
+              <a:ext uri="{28A0092B-C50C-407E-A947-70E740481C1C}">
+                <a14:useLocalDpi xmlns:a14="http://schemas.microsoft.com/office/drawing/2010/main" val="0"/>
+              </a:ext>
+            </a:extLst>
+          </a:blip>
+          <a:srcRect l="2917" t="3204" r="6166" b="4430"/>
+          <a:stretch/>
+        </p:blipFill>
+        <p:spPr bwMode="auto">
+          <a:xfrm>
+            <a:off x="7915722" y="2687767"/>
+            <a:ext cx="4276278" cy="2316480"/>
+          </a:xfrm>
+          <a:prstGeom prst="rect">
+            <a:avLst/>
+          </a:prstGeom>
+          <a:noFill/>
+          <a:extLst>
+            <a:ext uri="{909E8E84-426E-40DD-AFC4-6F175D3DCCD1}">
+              <a14:hiddenFill xmlns:a14="http://schemas.microsoft.com/office/drawing/2010/main">
+                <a:solidFill>
+                  <a:srgbClr val="FFFFFF"/>
+                </a:solidFill>
+              </a14:hiddenFill>
+            </a:ext>
+          </a:extLst>
+        </p:spPr>
+      </p:pic>
     </p:spTree>
     <p:extLst>
       <p:ext uri="{BB962C8B-B14F-4D97-AF65-F5344CB8AC3E}">
-        <p14:creationId xmlns:p14="http://schemas.microsoft.com/office/powerpoint/2010/main" val="1920914054"/>
+        <p14:creationId xmlns:p14="http://schemas.microsoft.com/office/powerpoint/2010/main" val="801417224"/>
       </p:ext>
     </p:extLst>
   </p:cSld>
@@ -3979,7 +4047,7 @@
           <p:cNvPr id="2" name="Title 1">
             <a:extLst>
               <a:ext uri="{FF2B5EF4-FFF2-40B4-BE49-F238E27FC236}">
-                <a16:creationId xmlns:a16="http://schemas.microsoft.com/office/drawing/2014/main" id="{C9D3110B-0EE3-55D4-C37C-4E8EF9BD9FEA}"/>
+                <a16:creationId xmlns:a16="http://schemas.microsoft.com/office/drawing/2014/main" id="{5BF7DECF-1F9B-F1A4-D7FC-9D2BB5CC4330}"/>
               </a:ext>
             </a:extLst>
           </p:cNvPr>
@@ -3997,7 +4065,7 @@
           <a:p>
             <a:r>
               <a:rPr lang="en-US" dirty="0"/>
-              <a:t>Seek/Tell</a:t>
+              <a:t>Remote Data</a:t>
             </a:r>
           </a:p>
         </p:txBody>
@@ -4007,7 +4075,7 @@
           <p:cNvPr id="3" name="Content Placeholder 2">
             <a:extLst>
               <a:ext uri="{FF2B5EF4-FFF2-40B4-BE49-F238E27FC236}">
-                <a16:creationId xmlns:a16="http://schemas.microsoft.com/office/drawing/2014/main" id="{A3824715-03C1-9AB8-D753-E31F585FD047}"/>
+                <a16:creationId xmlns:a16="http://schemas.microsoft.com/office/drawing/2014/main" id="{F5DD7343-6B0B-6E41-65A0-03F27E8E0595}"/>
               </a:ext>
             </a:extLst>
           </p:cNvPr>
@@ -4020,8 +4088,8 @@
         </p:nvSpPr>
         <p:spPr>
           <a:xfrm>
-            <a:off x="1451579" y="2015732"/>
-            <a:ext cx="9603275" cy="4037749"/>
+            <a:off x="1451579" y="1944548"/>
+            <a:ext cx="9603275" cy="4108934"/>
           </a:xfrm>
         </p:spPr>
         <p:txBody>
@@ -4030,58 +4098,80 @@
           <a:p>
             <a:r>
               <a:rPr lang="en-US" dirty="0"/>
-              <a:t>While in a file, we move around just like a cursor in word. </a:t>
-            </a:r>
-          </a:p>
-          <a:p>
-            <a:r>
-              <a:rPr lang="en-US" dirty="0"/>
-              <a:t>If we want to do anything, that thing will happen at our current position. </a:t>
+              <a:t>We can also connect to remote files on the internet or remote folders. </a:t>
+            </a:r>
+          </a:p>
+          <a:p>
+            <a:r>
+              <a:rPr lang="en-US" dirty="0"/>
+              <a:t>The library we use to make the connection depends on the target:</a:t>
             </a:r>
           </a:p>
           <a:p>
             <a:pPr lvl="1"/>
             <a:r>
               <a:rPr lang="en-US" dirty="0"/>
-              <a:t>If we are working in a file, we may need to move around. </a:t>
-            </a:r>
-          </a:p>
-          <a:p>
-            <a:r>
-              <a:rPr lang="en-US" dirty="0"/>
-              <a:t>Seek and Tell can tell us where we are, and take us where we want to go. </a:t>
-            </a:r>
-          </a:p>
-          <a:p>
-            <a:r>
-              <a:rPr lang="en-US" dirty="0"/>
-              <a:t>Tell gives us back the position in the file. </a:t>
-            </a:r>
-          </a:p>
-          <a:p>
-            <a:r>
-              <a:rPr lang="en-US" dirty="0"/>
-              <a:t>Seek takes us to a new position, offset be some value from a reference.</a:t>
+              <a:t>OS read/write work with a file system that’s mounted – or available in finder/explorer.</a:t>
             </a:r>
           </a:p>
           <a:p>
             <a:pPr lvl="1"/>
             <a:r>
-              <a:rPr lang="en-US" dirty="0"/>
-              <a:t>The reference is either the start, where we are now, or </a:t>
-            </a:r>
-            <a:r>
-              <a:rPr lang="en-US"/>
-              <a:t>the end. </a:t>
-            </a:r>
-            <a:endParaRPr lang="en-US" dirty="0"/>
+              <a:rPr lang="en-US" dirty="0" err="1"/>
+              <a:t>Urllib</a:t>
+            </a:r>
+            <a:r>
+              <a:rPr lang="en-US" dirty="0"/>
+              <a:t> (and many others) works with HTTP – i.e. on the internet.</a:t>
+            </a:r>
+          </a:p>
+          <a:p>
+            <a:pPr lvl="1"/>
+            <a:r>
+              <a:rPr lang="en-US" dirty="0" err="1"/>
+              <a:t>Ftplib</a:t>
+            </a:r>
+            <a:r>
+              <a:rPr lang="en-US" dirty="0"/>
+              <a:t> works with FTP (file transfer protocol), an older file server protocol. </a:t>
+            </a:r>
+          </a:p>
+          <a:p>
+            <a:pPr lvl="1"/>
+            <a:r>
+              <a:rPr lang="en-US" dirty="0" err="1"/>
+              <a:t>Pyodbc</a:t>
+            </a:r>
+            <a:r>
+              <a:rPr lang="en-US" dirty="0"/>
+              <a:t> (and many others) work with ODBC – i.e. generic database connections.</a:t>
+            </a:r>
+          </a:p>
+          <a:p>
+            <a:r>
+              <a:rPr lang="en-US" dirty="0"/>
+              <a:t>The steps to connect and read/write will differ slightly with each. </a:t>
+            </a:r>
+          </a:p>
+          <a:p>
+            <a:pPr lvl="1"/>
+            <a:r>
+              <a:rPr lang="en-US" dirty="0"/>
+              <a:t>Maybe with an interim step of copying a file locally, then loading from that copy. </a:t>
+            </a:r>
+          </a:p>
+          <a:p>
+            <a:r>
+              <a:rPr lang="en-US" dirty="0"/>
+              <a:t>Once data is loaded into some data structure in our code, it doesn’t matter the source. </a:t>
+            </a:r>
           </a:p>
         </p:txBody>
       </p:sp>
     </p:spTree>
     <p:extLst>
       <p:ext uri="{BB962C8B-B14F-4D97-AF65-F5344CB8AC3E}">
-        <p14:creationId xmlns:p14="http://schemas.microsoft.com/office/powerpoint/2010/main" val="801417224"/>
+        <p14:creationId xmlns:p14="http://schemas.microsoft.com/office/powerpoint/2010/main" val="1534598275"/>
       </p:ext>
     </p:extLst>
   </p:cSld>
@@ -4113,162 +4203,6 @@
           <p:cNvPr id="2" name="Title 1">
             <a:extLst>
               <a:ext uri="{FF2B5EF4-FFF2-40B4-BE49-F238E27FC236}">
-                <a16:creationId xmlns:a16="http://schemas.microsoft.com/office/drawing/2014/main" id="{5BF7DECF-1F9B-F1A4-D7FC-9D2BB5CC4330}"/>
-              </a:ext>
-            </a:extLst>
-          </p:cNvPr>
-          <p:cNvSpPr>
-            <a:spLocks noGrp="1"/>
-          </p:cNvSpPr>
-          <p:nvPr>
-            <p:ph type="title"/>
-          </p:nvPr>
-        </p:nvSpPr>
-        <p:spPr/>
-        <p:txBody>
-          <a:bodyPr/>
-          <a:lstStyle/>
-          <a:p>
-            <a:r>
-              <a:rPr lang="en-US" dirty="0"/>
-              <a:t>Remote Data</a:t>
-            </a:r>
-          </a:p>
-        </p:txBody>
-      </p:sp>
-      <p:sp>
-        <p:nvSpPr>
-          <p:cNvPr id="3" name="Content Placeholder 2">
-            <a:extLst>
-              <a:ext uri="{FF2B5EF4-FFF2-40B4-BE49-F238E27FC236}">
-                <a16:creationId xmlns:a16="http://schemas.microsoft.com/office/drawing/2014/main" id="{F5DD7343-6B0B-6E41-65A0-03F27E8E0595}"/>
-              </a:ext>
-            </a:extLst>
-          </p:cNvPr>
-          <p:cNvSpPr>
-            <a:spLocks noGrp="1"/>
-          </p:cNvSpPr>
-          <p:nvPr>
-            <p:ph idx="1"/>
-          </p:nvPr>
-        </p:nvSpPr>
-        <p:spPr>
-          <a:xfrm>
-            <a:off x="1451579" y="1944548"/>
-            <a:ext cx="9603275" cy="4108934"/>
-          </a:xfrm>
-        </p:spPr>
-        <p:txBody>
-          <a:bodyPr/>
-          <a:lstStyle/>
-          <a:p>
-            <a:r>
-              <a:rPr lang="en-US" dirty="0"/>
-              <a:t>We can also connect to remote files on the internet or remote folders. </a:t>
-            </a:r>
-          </a:p>
-          <a:p>
-            <a:r>
-              <a:rPr lang="en-US" dirty="0"/>
-              <a:t>The library we use to make the connection depends on the target:</a:t>
-            </a:r>
-          </a:p>
-          <a:p>
-            <a:pPr lvl="1"/>
-            <a:r>
-              <a:rPr lang="en-US" dirty="0"/>
-              <a:t>OS read/write work with a file system that’s mounted – or available in finder/explorer.</a:t>
-            </a:r>
-          </a:p>
-          <a:p>
-            <a:pPr lvl="1"/>
-            <a:r>
-              <a:rPr lang="en-US" dirty="0" err="1"/>
-              <a:t>Urllib</a:t>
-            </a:r>
-            <a:r>
-              <a:rPr lang="en-US" dirty="0"/>
-              <a:t> (and many others) works with HTTP – i.e. on the internet.</a:t>
-            </a:r>
-          </a:p>
-          <a:p>
-            <a:pPr lvl="1"/>
-            <a:r>
-              <a:rPr lang="en-US" dirty="0" err="1"/>
-              <a:t>Ftplib</a:t>
-            </a:r>
-            <a:r>
-              <a:rPr lang="en-US" dirty="0"/>
-              <a:t> works with FTP (file transfer protocol), an older file server protocol. </a:t>
-            </a:r>
-          </a:p>
-          <a:p>
-            <a:pPr lvl="1"/>
-            <a:r>
-              <a:rPr lang="en-US" dirty="0" err="1"/>
-              <a:t>Pyodbc</a:t>
-            </a:r>
-            <a:r>
-              <a:rPr lang="en-US" dirty="0"/>
-              <a:t> (and many others) work with ODBC – i.e. generic database connections.</a:t>
-            </a:r>
-          </a:p>
-          <a:p>
-            <a:r>
-              <a:rPr lang="en-US" dirty="0"/>
-              <a:t>The steps to connect and read/write will differ slightly with each. </a:t>
-            </a:r>
-          </a:p>
-          <a:p>
-            <a:pPr lvl="1"/>
-            <a:r>
-              <a:rPr lang="en-US" dirty="0"/>
-              <a:t>Maybe with an interim step of copying a file locally, then loading from that copy. </a:t>
-            </a:r>
-          </a:p>
-          <a:p>
-            <a:r>
-              <a:rPr lang="en-US" dirty="0"/>
-              <a:t>Once data is loaded into some data structure in our code, it doesn’t matter the source. </a:t>
-            </a:r>
-          </a:p>
-        </p:txBody>
-      </p:sp>
-    </p:spTree>
-    <p:extLst>
-      <p:ext uri="{BB962C8B-B14F-4D97-AF65-F5344CB8AC3E}">
-        <p14:creationId xmlns:p14="http://schemas.microsoft.com/office/powerpoint/2010/main" val="1534598275"/>
-      </p:ext>
-    </p:extLst>
-  </p:cSld>
-  <p:clrMapOvr>
-    <a:masterClrMapping/>
-  </p:clrMapOvr>
-</p:sld>
-</file>
-
-<file path=ppt/slides/slide14.xml><?xml version="1.0" encoding="utf-8"?>
-<p:sld xmlns:a="http://schemas.openxmlformats.org/drawingml/2006/main" xmlns:r="http://schemas.openxmlformats.org/officeDocument/2006/relationships" xmlns:p="http://schemas.openxmlformats.org/presentationml/2006/main">
-  <p:cSld>
-    <p:spTree>
-      <p:nvGrpSpPr>
-        <p:cNvPr id="1" name=""/>
-        <p:cNvGrpSpPr/>
-        <p:nvPr/>
-      </p:nvGrpSpPr>
-      <p:grpSpPr>
-        <a:xfrm>
-          <a:off x="0" y="0"/>
-          <a:ext cx="0" cy="0"/>
-          <a:chOff x="0" y="0"/>
-          <a:chExt cx="0" cy="0"/>
-        </a:xfrm>
-      </p:grpSpPr>
-      <p:sp>
-        <p:nvSpPr>
-          <p:cNvPr id="2" name="Title 1">
-            <a:extLst>
-              <a:ext uri="{FF2B5EF4-FFF2-40B4-BE49-F238E27FC236}">
                 <a16:creationId xmlns:a16="http://schemas.microsoft.com/office/drawing/2014/main" id="{A7697945-58E6-CB4A-4254-7438FDB9E545}"/>
               </a:ext>
             </a:extLst>
@@ -4308,7 +4242,12 @@
             <p:ph idx="1"/>
           </p:nvPr>
         </p:nvSpPr>
-        <p:spPr/>
+        <p:spPr>
+          <a:xfrm>
+            <a:off x="1451579" y="2015732"/>
+            <a:ext cx="9603275" cy="4037749"/>
+          </a:xfrm>
+        </p:spPr>
         <p:txBody>
           <a:bodyPr/>
           <a:lstStyle/>
@@ -4336,6 +4275,27 @@
             <a:pPr lvl="1"/>
             <a:r>
               <a:rPr lang="en-US" dirty="0"/>
+              <a:t>Largely </a:t>
+            </a:r>
+            <a:r>
+              <a:rPr lang="en-US" dirty="0" err="1"/>
+              <a:t>repetirive</a:t>
+            </a:r>
+            <a:r>
+              <a:rPr lang="en-US" dirty="0"/>
+              <a:t> text data is an ideal candidate for a zip for other archive. </a:t>
+            </a:r>
+          </a:p>
+          <a:p>
+            <a:pPr lvl="1"/>
+            <a:r>
+              <a:rPr lang="en-US" dirty="0"/>
+              <a:t>Passing around data online ca be much more efficient with compressed data. </a:t>
+            </a:r>
+          </a:p>
+          <a:p>
+            <a:r>
+              <a:rPr lang="en-US" dirty="0"/>
               <a:t>Pandas can directly handle zip files with </a:t>
             </a:r>
             <a:r>
@@ -4345,6 +4305,12 @@
             <a:r>
               <a:rPr lang="en-US" dirty="0"/>
               <a:t>. </a:t>
+            </a:r>
+          </a:p>
+          <a:p>
+            <a:r>
+              <a:rPr lang="en-US" dirty="0"/>
+              <a:t>Our code can download and unzip a dataset directly into a folder. </a:t>
             </a:r>
           </a:p>
         </p:txBody>
@@ -4362,90 +4328,7 @@
 </p:sld>
 </file>
 
-<file path=ppt/slides/slide15.xml><?xml version="1.0" encoding="utf-8"?>
-<p:sld xmlns:a="http://schemas.openxmlformats.org/drawingml/2006/main" xmlns:r="http://schemas.openxmlformats.org/officeDocument/2006/relationships" xmlns:p="http://schemas.openxmlformats.org/presentationml/2006/main">
-  <p:cSld>
-    <p:spTree>
-      <p:nvGrpSpPr>
-        <p:cNvPr id="1" name=""/>
-        <p:cNvGrpSpPr/>
-        <p:nvPr/>
-      </p:nvGrpSpPr>
-      <p:grpSpPr>
-        <a:xfrm>
-          <a:off x="0" y="0"/>
-          <a:ext cx="0" cy="0"/>
-          <a:chOff x="0" y="0"/>
-          <a:chExt cx="0" cy="0"/>
-        </a:xfrm>
-      </p:grpSpPr>
-      <p:sp>
-        <p:nvSpPr>
-          <p:cNvPr id="2" name="Title 1">
-            <a:extLst>
-              <a:ext uri="{FF2B5EF4-FFF2-40B4-BE49-F238E27FC236}">
-                <a16:creationId xmlns:a16="http://schemas.microsoft.com/office/drawing/2014/main" id="{FA7987B0-9756-43A4-E09D-4B84920EB89F}"/>
-              </a:ext>
-            </a:extLst>
-          </p:cNvPr>
-          <p:cNvSpPr>
-            <a:spLocks noGrp="1"/>
-          </p:cNvSpPr>
-          <p:nvPr>
-            <p:ph type="title"/>
-          </p:nvPr>
-        </p:nvSpPr>
-        <p:spPr/>
-        <p:txBody>
-          <a:bodyPr/>
-          <a:lstStyle/>
-          <a:p>
-            <a:r>
-              <a:rPr lang="en-US" dirty="0"/>
-              <a:t>Command Line Usage</a:t>
-            </a:r>
-          </a:p>
-        </p:txBody>
-      </p:sp>
-      <p:sp>
-        <p:nvSpPr>
-          <p:cNvPr id="3" name="Content Placeholder 2">
-            <a:extLst>
-              <a:ext uri="{FF2B5EF4-FFF2-40B4-BE49-F238E27FC236}">
-                <a16:creationId xmlns:a16="http://schemas.microsoft.com/office/drawing/2014/main" id="{C3CF28ED-4551-52D2-2AF9-B3B60AEE0ED0}"/>
-              </a:ext>
-            </a:extLst>
-          </p:cNvPr>
-          <p:cNvSpPr>
-            <a:spLocks noGrp="1"/>
-          </p:cNvSpPr>
-          <p:nvPr>
-            <p:ph idx="1"/>
-          </p:nvPr>
-        </p:nvSpPr>
-        <p:spPr/>
-        <p:txBody>
-          <a:bodyPr/>
-          <a:lstStyle/>
-          <a:p>
-            <a:endParaRPr lang="en-US"/>
-          </a:p>
-        </p:txBody>
-      </p:sp>
-    </p:spTree>
-    <p:extLst>
-      <p:ext uri="{BB962C8B-B14F-4D97-AF65-F5344CB8AC3E}">
-        <p14:creationId xmlns:p14="http://schemas.microsoft.com/office/powerpoint/2010/main" val="329962396"/>
-      </p:ext>
-    </p:extLst>
-  </p:cSld>
-  <p:clrMapOvr>
-    <a:masterClrMapping/>
-  </p:clrMapOvr>
-</p:sld>
-</file>
-
-<file path=ppt/slides/slide16.xml><?xml version="1.0" encoding="utf-8"?>
+<file path=ppt/slides/slide14.xml><?xml version="1.0" encoding="utf-8"?>
 <p:sld xmlns:a="http://schemas.openxmlformats.org/drawingml/2006/main" xmlns:r="http://schemas.openxmlformats.org/officeDocument/2006/relationships" xmlns:p="http://schemas.openxmlformats.org/presentationml/2006/main">
   <p:cSld>
     <p:spTree>

--- a/course_material/slides/os_system.pptx
+++ b/course_material/slides/os_system.pptx
@@ -6,19 +6,20 @@
   </p:sldMasterIdLst>
   <p:sldIdLst>
     <p:sldId id="256" r:id="rId2"/>
-    <p:sldId id="258" r:id="rId3"/>
-    <p:sldId id="257" r:id="rId4"/>
-    <p:sldId id="265" r:id="rId5"/>
-    <p:sldId id="259" r:id="rId6"/>
-    <p:sldId id="260" r:id="rId7"/>
-    <p:sldId id="261" r:id="rId8"/>
-    <p:sldId id="266" r:id="rId9"/>
-    <p:sldId id="267" r:id="rId10"/>
-    <p:sldId id="269" r:id="rId11"/>
-    <p:sldId id="271" r:id="rId12"/>
-    <p:sldId id="263" r:id="rId13"/>
-    <p:sldId id="264" r:id="rId14"/>
-    <p:sldId id="270" r:id="rId15"/>
+    <p:sldId id="272" r:id="rId3"/>
+    <p:sldId id="258" r:id="rId4"/>
+    <p:sldId id="257" r:id="rId5"/>
+    <p:sldId id="265" r:id="rId6"/>
+    <p:sldId id="259" r:id="rId7"/>
+    <p:sldId id="260" r:id="rId8"/>
+    <p:sldId id="261" r:id="rId9"/>
+    <p:sldId id="266" r:id="rId10"/>
+    <p:sldId id="267" r:id="rId11"/>
+    <p:sldId id="269" r:id="rId12"/>
+    <p:sldId id="271" r:id="rId13"/>
+    <p:sldId id="263" r:id="rId14"/>
+    <p:sldId id="264" r:id="rId15"/>
+    <p:sldId id="270" r:id="rId16"/>
   </p:sldIdLst>
   <p:sldSz cx="12192000" cy="6858000"/>
   <p:notesSz cx="6858000" cy="9144000"/>
@@ -3702,6 +3703,242 @@
 <file path=ppt/slides/slide10.xml><?xml version="1.0" encoding="utf-8"?>
 <p:sld xmlns:a="http://schemas.openxmlformats.org/drawingml/2006/main" xmlns:r="http://schemas.openxmlformats.org/officeDocument/2006/relationships" xmlns:p="http://schemas.openxmlformats.org/presentationml/2006/main">
   <p:cSld>
+    <p:bg>
+      <p:bgPr>
+        <a:gradFill rotWithShape="1">
+          <a:gsLst>
+            <a:gs pos="0">
+              <a:schemeClr val="bg2">
+                <a:tint val="94000"/>
+                <a:satMod val="80000"/>
+                <a:lumMod val="106000"/>
+              </a:schemeClr>
+            </a:gs>
+            <a:gs pos="100000">
+              <a:schemeClr val="bg2">
+                <a:shade val="80000"/>
+              </a:schemeClr>
+            </a:gs>
+          </a:gsLst>
+          <a:path path="circle">
+            <a:fillToRect l="43000" r="43000" b="100000"/>
+          </a:path>
+        </a:gradFill>
+        <a:effectLst/>
+      </p:bgPr>
+    </p:bg>
+    <p:spTree>
+      <p:nvGrpSpPr>
+        <p:cNvPr id="1" name=""/>
+        <p:cNvGrpSpPr/>
+        <p:nvPr/>
+      </p:nvGrpSpPr>
+      <p:grpSpPr>
+        <a:xfrm>
+          <a:off x="0" y="0"/>
+          <a:ext cx="0" cy="0"/>
+          <a:chOff x="0" y="0"/>
+          <a:chExt cx="0" cy="0"/>
+        </a:xfrm>
+      </p:grpSpPr>
+      <p:sp>
+        <p:nvSpPr>
+          <p:cNvPr id="2" name="Title 1">
+            <a:extLst>
+              <a:ext uri="{FF2B5EF4-FFF2-40B4-BE49-F238E27FC236}">
+                <a16:creationId xmlns:a16="http://schemas.microsoft.com/office/drawing/2014/main" id="{629AC404-42A8-25F8-2A50-744E845306B1}"/>
+              </a:ext>
+            </a:extLst>
+          </p:cNvPr>
+          <p:cNvSpPr>
+            <a:spLocks noGrp="1"/>
+          </p:cNvSpPr>
+          <p:nvPr>
+            <p:ph type="title"/>
+          </p:nvPr>
+        </p:nvSpPr>
+        <p:spPr>
+          <a:xfrm>
+            <a:off x="1451579" y="804519"/>
+            <a:ext cx="9603275" cy="1049235"/>
+          </a:xfrm>
+        </p:spPr>
+        <p:txBody>
+          <a:bodyPr>
+            <a:normAutofit/>
+          </a:bodyPr>
+          <a:lstStyle/>
+          <a:p>
+            <a:r>
+              <a:rPr lang="en-US" dirty="0"/>
+              <a:t>Come !!With!! Me</a:t>
+            </a:r>
+          </a:p>
+        </p:txBody>
+      </p:sp>
+      <p:sp>
+        <p:nvSpPr>
+          <p:cNvPr id="3" name="Content Placeholder 2">
+            <a:extLst>
+              <a:ext uri="{FF2B5EF4-FFF2-40B4-BE49-F238E27FC236}">
+                <a16:creationId xmlns:a16="http://schemas.microsoft.com/office/drawing/2014/main" id="{1BB24D7F-7876-B911-2967-54C0686C34AB}"/>
+              </a:ext>
+            </a:extLst>
+          </p:cNvPr>
+          <p:cNvSpPr>
+            <a:spLocks noGrp="1"/>
+          </p:cNvSpPr>
+          <p:nvPr>
+            <p:ph idx="1"/>
+          </p:nvPr>
+        </p:nvSpPr>
+        <p:spPr>
+          <a:xfrm>
+            <a:off x="4660419" y="1851432"/>
+            <a:ext cx="7531581" cy="4271462"/>
+          </a:xfrm>
+        </p:spPr>
+        <p:txBody>
+          <a:bodyPr>
+            <a:normAutofit/>
+          </a:bodyPr>
+          <a:lstStyle/>
+          <a:p>
+            <a:pPr>
+              <a:lnSpc>
+                <a:spcPct val="110000"/>
+              </a:lnSpc>
+            </a:pPr>
+            <a:r>
+              <a:rPr lang="en-US" dirty="0"/>
+              <a:t>File reading/writing operations often use weird syntax - “with”. </a:t>
+            </a:r>
+          </a:p>
+          <a:p>
+            <a:pPr>
+              <a:lnSpc>
+                <a:spcPct val="110000"/>
+              </a:lnSpc>
+            </a:pPr>
+            <a:r>
+              <a:rPr lang="en-US" dirty="0"/>
+              <a:t>With is a shortcut that can make the error prone file stuff easier. </a:t>
+            </a:r>
+          </a:p>
+          <a:p>
+            <a:pPr lvl="1">
+              <a:lnSpc>
+                <a:spcPct val="110000"/>
+              </a:lnSpc>
+            </a:pPr>
+            <a:r>
+              <a:rPr lang="en-US" sz="2000" dirty="0"/>
+              <a:t>With “handles” maintaining the connection to a file. </a:t>
+            </a:r>
+          </a:p>
+          <a:p>
+            <a:pPr lvl="1">
+              <a:lnSpc>
+                <a:spcPct val="110000"/>
+              </a:lnSpc>
+            </a:pPr>
+            <a:r>
+              <a:rPr lang="en-US" sz="2000" dirty="0"/>
+              <a:t>To access a file we need to find it, open it, lock* it, release it, then close the connection (so others can use the file). </a:t>
+            </a:r>
+          </a:p>
+          <a:p>
+            <a:pPr lvl="1">
+              <a:lnSpc>
+                <a:spcPct val="110000"/>
+              </a:lnSpc>
+            </a:pPr>
+            <a:r>
+              <a:rPr lang="en-US" sz="2000" dirty="0"/>
+              <a:t>File access is exception prone (e.g. missing file, disk removed…) </a:t>
+            </a:r>
+          </a:p>
+          <a:p>
+            <a:pPr>
+              <a:lnSpc>
+                <a:spcPct val="110000"/>
+              </a:lnSpc>
+            </a:pPr>
+            <a:r>
+              <a:rPr lang="en-US" sz="2200" dirty="0"/>
+              <a:t>The two examples are equivalent. </a:t>
+            </a:r>
+          </a:p>
+          <a:p>
+            <a:pPr lvl="1">
+              <a:lnSpc>
+                <a:spcPct val="110000"/>
+              </a:lnSpc>
+            </a:pPr>
+            <a:r>
+              <a:rPr lang="en-US" sz="2000" dirty="0"/>
+              <a:t>With ensures that the writing is done ‘in’ the file that is open, and that it closes that connection when that part is done. </a:t>
+            </a:r>
+          </a:p>
+          <a:p>
+            <a:pPr lvl="1">
+              <a:lnSpc>
+                <a:spcPct val="110000"/>
+              </a:lnSpc>
+            </a:pPr>
+            <a:r>
+              <a:rPr lang="en-US" sz="2000" dirty="0"/>
+              <a:t>“Maintain this file connection as long as needed, then close it."</a:t>
+            </a:r>
+          </a:p>
+        </p:txBody>
+      </p:sp>
+      <p:pic>
+        <p:nvPicPr>
+          <p:cNvPr id="4" name="Picture 3">
+            <a:extLst>
+              <a:ext uri="{FF2B5EF4-FFF2-40B4-BE49-F238E27FC236}">
+                <a16:creationId xmlns:a16="http://schemas.microsoft.com/office/drawing/2014/main" id="{E33C8972-7764-EFEB-4993-A4FB8F68AA55}"/>
+              </a:ext>
+            </a:extLst>
+          </p:cNvPr>
+          <p:cNvPicPr>
+            <a:picLocks noChangeAspect="1"/>
+          </p:cNvPicPr>
+          <p:nvPr/>
+        </p:nvPicPr>
+        <p:blipFill>
+          <a:blip r:embed="rId2"/>
+          <a:stretch>
+            <a:fillRect/>
+          </a:stretch>
+        </p:blipFill>
+        <p:spPr>
+          <a:xfrm>
+            <a:off x="0" y="1851432"/>
+            <a:ext cx="4660419" cy="4683839"/>
+          </a:xfrm>
+          <a:prstGeom prst="rect">
+            <a:avLst/>
+          </a:prstGeom>
+        </p:spPr>
+      </p:pic>
+    </p:spTree>
+    <p:extLst>
+      <p:ext uri="{BB962C8B-B14F-4D97-AF65-F5344CB8AC3E}">
+        <p14:creationId xmlns:p14="http://schemas.microsoft.com/office/powerpoint/2010/main" val="921419962"/>
+      </p:ext>
+    </p:extLst>
+  </p:cSld>
+  <p:clrMapOvr>
+    <a:masterClrMapping/>
+  </p:clrMapOvr>
+</p:sld>
+</file>
+
+<file path=ppt/slides/slide11.xml><?xml version="1.0" encoding="utf-8"?>
+<p:sld xmlns:a="http://schemas.openxmlformats.org/drawingml/2006/main" xmlns:r="http://schemas.openxmlformats.org/officeDocument/2006/relationships" xmlns:p="http://schemas.openxmlformats.org/presentationml/2006/main">
+  <p:cSld>
     <p:spTree>
       <p:nvGrpSpPr>
         <p:cNvPr id="1" name=""/>
@@ -3851,7 +4088,7 @@
 </p:sld>
 </file>
 
-<file path=ppt/slides/slide11.xml><?xml version="1.0" encoding="utf-8"?>
+<file path=ppt/slides/slide12.xml><?xml version="1.0" encoding="utf-8"?>
 <p:sld xmlns:a="http://schemas.openxmlformats.org/drawingml/2006/main" xmlns:r="http://schemas.openxmlformats.org/officeDocument/2006/relationships" xmlns:p="http://schemas.openxmlformats.org/presentationml/2006/main">
   <p:cSld>
     <p:spTree>
@@ -4025,162 +4262,6 @@
 </p:sld>
 </file>
 
-<file path=ppt/slides/slide12.xml><?xml version="1.0" encoding="utf-8"?>
-<p:sld xmlns:a="http://schemas.openxmlformats.org/drawingml/2006/main" xmlns:r="http://schemas.openxmlformats.org/officeDocument/2006/relationships" xmlns:p="http://schemas.openxmlformats.org/presentationml/2006/main">
-  <p:cSld>
-    <p:spTree>
-      <p:nvGrpSpPr>
-        <p:cNvPr id="1" name=""/>
-        <p:cNvGrpSpPr/>
-        <p:nvPr/>
-      </p:nvGrpSpPr>
-      <p:grpSpPr>
-        <a:xfrm>
-          <a:off x="0" y="0"/>
-          <a:ext cx="0" cy="0"/>
-          <a:chOff x="0" y="0"/>
-          <a:chExt cx="0" cy="0"/>
-        </a:xfrm>
-      </p:grpSpPr>
-      <p:sp>
-        <p:nvSpPr>
-          <p:cNvPr id="2" name="Title 1">
-            <a:extLst>
-              <a:ext uri="{FF2B5EF4-FFF2-40B4-BE49-F238E27FC236}">
-                <a16:creationId xmlns:a16="http://schemas.microsoft.com/office/drawing/2014/main" id="{5BF7DECF-1F9B-F1A4-D7FC-9D2BB5CC4330}"/>
-              </a:ext>
-            </a:extLst>
-          </p:cNvPr>
-          <p:cNvSpPr>
-            <a:spLocks noGrp="1"/>
-          </p:cNvSpPr>
-          <p:nvPr>
-            <p:ph type="title"/>
-          </p:nvPr>
-        </p:nvSpPr>
-        <p:spPr/>
-        <p:txBody>
-          <a:bodyPr/>
-          <a:lstStyle/>
-          <a:p>
-            <a:r>
-              <a:rPr lang="en-US" dirty="0"/>
-              <a:t>Remote Data</a:t>
-            </a:r>
-          </a:p>
-        </p:txBody>
-      </p:sp>
-      <p:sp>
-        <p:nvSpPr>
-          <p:cNvPr id="3" name="Content Placeholder 2">
-            <a:extLst>
-              <a:ext uri="{FF2B5EF4-FFF2-40B4-BE49-F238E27FC236}">
-                <a16:creationId xmlns:a16="http://schemas.microsoft.com/office/drawing/2014/main" id="{F5DD7343-6B0B-6E41-65A0-03F27E8E0595}"/>
-              </a:ext>
-            </a:extLst>
-          </p:cNvPr>
-          <p:cNvSpPr>
-            <a:spLocks noGrp="1"/>
-          </p:cNvSpPr>
-          <p:nvPr>
-            <p:ph idx="1"/>
-          </p:nvPr>
-        </p:nvSpPr>
-        <p:spPr>
-          <a:xfrm>
-            <a:off x="1451579" y="1944548"/>
-            <a:ext cx="9603275" cy="4108934"/>
-          </a:xfrm>
-        </p:spPr>
-        <p:txBody>
-          <a:bodyPr/>
-          <a:lstStyle/>
-          <a:p>
-            <a:r>
-              <a:rPr lang="en-US" dirty="0"/>
-              <a:t>We can also connect to remote files on the internet or remote folders. </a:t>
-            </a:r>
-          </a:p>
-          <a:p>
-            <a:r>
-              <a:rPr lang="en-US" dirty="0"/>
-              <a:t>The library we use to make the connection depends on the target:</a:t>
-            </a:r>
-          </a:p>
-          <a:p>
-            <a:pPr lvl="1"/>
-            <a:r>
-              <a:rPr lang="en-US" dirty="0"/>
-              <a:t>OS read/write work with a file system that’s mounted – or available in finder/explorer.</a:t>
-            </a:r>
-          </a:p>
-          <a:p>
-            <a:pPr lvl="1"/>
-            <a:r>
-              <a:rPr lang="en-US" dirty="0" err="1"/>
-              <a:t>Urllib</a:t>
-            </a:r>
-            <a:r>
-              <a:rPr lang="en-US" dirty="0"/>
-              <a:t> (and many others) works with HTTP – i.e. on the internet.</a:t>
-            </a:r>
-          </a:p>
-          <a:p>
-            <a:pPr lvl="1"/>
-            <a:r>
-              <a:rPr lang="en-US" dirty="0" err="1"/>
-              <a:t>Ftplib</a:t>
-            </a:r>
-            <a:r>
-              <a:rPr lang="en-US" dirty="0"/>
-              <a:t> works with FTP (file transfer protocol), an older file server protocol. </a:t>
-            </a:r>
-          </a:p>
-          <a:p>
-            <a:pPr lvl="1"/>
-            <a:r>
-              <a:rPr lang="en-US" dirty="0" err="1"/>
-              <a:t>Pyodbc</a:t>
-            </a:r>
-            <a:r>
-              <a:rPr lang="en-US" dirty="0"/>
-              <a:t> (and many others) work with ODBC – i.e. generic database connections.</a:t>
-            </a:r>
-          </a:p>
-          <a:p>
-            <a:r>
-              <a:rPr lang="en-US" dirty="0"/>
-              <a:t>The steps to connect and read/write will differ slightly with each. </a:t>
-            </a:r>
-          </a:p>
-          <a:p>
-            <a:pPr lvl="1"/>
-            <a:r>
-              <a:rPr lang="en-US" dirty="0"/>
-              <a:t>Maybe with an interim step of copying a file locally, then loading from that copy. </a:t>
-            </a:r>
-          </a:p>
-          <a:p>
-            <a:r>
-              <a:rPr lang="en-US" dirty="0"/>
-              <a:t>Once data is loaded into some data structure in our code, it doesn’t matter the source. </a:t>
-            </a:r>
-          </a:p>
-        </p:txBody>
-      </p:sp>
-    </p:spTree>
-    <p:extLst>
-      <p:ext uri="{BB962C8B-B14F-4D97-AF65-F5344CB8AC3E}">
-        <p14:creationId xmlns:p14="http://schemas.microsoft.com/office/powerpoint/2010/main" val="1534598275"/>
-      </p:ext>
-    </p:extLst>
-  </p:cSld>
-  <p:clrMapOvr>
-    <a:masterClrMapping/>
-  </p:clrMapOvr>
-</p:sld>
-</file>
-
 <file path=ppt/slides/slide13.xml><?xml version="1.0" encoding="utf-8"?>
 <p:sld xmlns:a="http://schemas.openxmlformats.org/drawingml/2006/main" xmlns:r="http://schemas.openxmlformats.org/officeDocument/2006/relationships" xmlns:p="http://schemas.openxmlformats.org/presentationml/2006/main">
   <p:cSld>
@@ -4203,6 +4284,162 @@
           <p:cNvPr id="2" name="Title 1">
             <a:extLst>
               <a:ext uri="{FF2B5EF4-FFF2-40B4-BE49-F238E27FC236}">
+                <a16:creationId xmlns:a16="http://schemas.microsoft.com/office/drawing/2014/main" id="{5BF7DECF-1F9B-F1A4-D7FC-9D2BB5CC4330}"/>
+              </a:ext>
+            </a:extLst>
+          </p:cNvPr>
+          <p:cNvSpPr>
+            <a:spLocks noGrp="1"/>
+          </p:cNvSpPr>
+          <p:nvPr>
+            <p:ph type="title"/>
+          </p:nvPr>
+        </p:nvSpPr>
+        <p:spPr/>
+        <p:txBody>
+          <a:bodyPr/>
+          <a:lstStyle/>
+          <a:p>
+            <a:r>
+              <a:rPr lang="en-US" dirty="0"/>
+              <a:t>Remote Data</a:t>
+            </a:r>
+          </a:p>
+        </p:txBody>
+      </p:sp>
+      <p:sp>
+        <p:nvSpPr>
+          <p:cNvPr id="3" name="Content Placeholder 2">
+            <a:extLst>
+              <a:ext uri="{FF2B5EF4-FFF2-40B4-BE49-F238E27FC236}">
+                <a16:creationId xmlns:a16="http://schemas.microsoft.com/office/drawing/2014/main" id="{F5DD7343-6B0B-6E41-65A0-03F27E8E0595}"/>
+              </a:ext>
+            </a:extLst>
+          </p:cNvPr>
+          <p:cNvSpPr>
+            <a:spLocks noGrp="1"/>
+          </p:cNvSpPr>
+          <p:nvPr>
+            <p:ph idx="1"/>
+          </p:nvPr>
+        </p:nvSpPr>
+        <p:spPr>
+          <a:xfrm>
+            <a:off x="1451579" y="1944548"/>
+            <a:ext cx="9603275" cy="4108934"/>
+          </a:xfrm>
+        </p:spPr>
+        <p:txBody>
+          <a:bodyPr/>
+          <a:lstStyle/>
+          <a:p>
+            <a:r>
+              <a:rPr lang="en-US" dirty="0"/>
+              <a:t>We can also connect to remote files on the internet or remote folders. </a:t>
+            </a:r>
+          </a:p>
+          <a:p>
+            <a:r>
+              <a:rPr lang="en-US" dirty="0"/>
+              <a:t>The library we use to make the connection depends on the target:</a:t>
+            </a:r>
+          </a:p>
+          <a:p>
+            <a:pPr lvl="1"/>
+            <a:r>
+              <a:rPr lang="en-US" dirty="0"/>
+              <a:t>OS read/write work with a file system that’s mounted – or available in finder/explorer.</a:t>
+            </a:r>
+          </a:p>
+          <a:p>
+            <a:pPr lvl="1"/>
+            <a:r>
+              <a:rPr lang="en-US" dirty="0" err="1"/>
+              <a:t>Urllib</a:t>
+            </a:r>
+            <a:r>
+              <a:rPr lang="en-US" dirty="0"/>
+              <a:t> (and many others) works with HTTP – i.e. on the internet.</a:t>
+            </a:r>
+          </a:p>
+          <a:p>
+            <a:pPr lvl="1"/>
+            <a:r>
+              <a:rPr lang="en-US" dirty="0" err="1"/>
+              <a:t>Ftplib</a:t>
+            </a:r>
+            <a:r>
+              <a:rPr lang="en-US" dirty="0"/>
+              <a:t> works with FTP (file transfer protocol), an older file server protocol. </a:t>
+            </a:r>
+          </a:p>
+          <a:p>
+            <a:pPr lvl="1"/>
+            <a:r>
+              <a:rPr lang="en-US" dirty="0" err="1"/>
+              <a:t>Pyodbc</a:t>
+            </a:r>
+            <a:r>
+              <a:rPr lang="en-US" dirty="0"/>
+              <a:t> (and many others) work with ODBC – i.e. generic database connections.</a:t>
+            </a:r>
+          </a:p>
+          <a:p>
+            <a:r>
+              <a:rPr lang="en-US" dirty="0"/>
+              <a:t>The steps to connect and read/write will differ slightly with each. </a:t>
+            </a:r>
+          </a:p>
+          <a:p>
+            <a:pPr lvl="1"/>
+            <a:r>
+              <a:rPr lang="en-US" dirty="0"/>
+              <a:t>Maybe with an interim step of copying a file locally, then loading from that copy. </a:t>
+            </a:r>
+          </a:p>
+          <a:p>
+            <a:r>
+              <a:rPr lang="en-US" dirty="0"/>
+              <a:t>Once data is loaded into some data structure in our code, it doesn’t matter the source. </a:t>
+            </a:r>
+          </a:p>
+        </p:txBody>
+      </p:sp>
+    </p:spTree>
+    <p:extLst>
+      <p:ext uri="{BB962C8B-B14F-4D97-AF65-F5344CB8AC3E}">
+        <p14:creationId xmlns:p14="http://schemas.microsoft.com/office/powerpoint/2010/main" val="1534598275"/>
+      </p:ext>
+    </p:extLst>
+  </p:cSld>
+  <p:clrMapOvr>
+    <a:masterClrMapping/>
+  </p:clrMapOvr>
+</p:sld>
+</file>
+
+<file path=ppt/slides/slide14.xml><?xml version="1.0" encoding="utf-8"?>
+<p:sld xmlns:a="http://schemas.openxmlformats.org/drawingml/2006/main" xmlns:r="http://schemas.openxmlformats.org/officeDocument/2006/relationships" xmlns:p="http://schemas.openxmlformats.org/presentationml/2006/main">
+  <p:cSld>
+    <p:spTree>
+      <p:nvGrpSpPr>
+        <p:cNvPr id="1" name=""/>
+        <p:cNvGrpSpPr/>
+        <p:nvPr/>
+      </p:nvGrpSpPr>
+      <p:grpSpPr>
+        <a:xfrm>
+          <a:off x="0" y="0"/>
+          <a:ext cx="0" cy="0"/>
+          <a:chOff x="0" y="0"/>
+          <a:chExt cx="0" cy="0"/>
+        </a:xfrm>
+      </p:grpSpPr>
+      <p:sp>
+        <p:nvSpPr>
+          <p:cNvPr id="2" name="Title 1">
+            <a:extLst>
+              <a:ext uri="{FF2B5EF4-FFF2-40B4-BE49-F238E27FC236}">
                 <a16:creationId xmlns:a16="http://schemas.microsoft.com/office/drawing/2014/main" id="{A7697945-58E6-CB4A-4254-7438FDB9E545}"/>
               </a:ext>
             </a:extLst>
@@ -4328,7 +4565,7 @@
 </p:sld>
 </file>
 
-<file path=ppt/slides/slide14.xml><?xml version="1.0" encoding="utf-8"?>
+<file path=ppt/slides/slide15.xml><?xml version="1.0" encoding="utf-8"?>
 <p:sld xmlns:a="http://schemas.openxmlformats.org/drawingml/2006/main" xmlns:r="http://schemas.openxmlformats.org/officeDocument/2006/relationships" xmlns:p="http://schemas.openxmlformats.org/presentationml/2006/main">
   <p:cSld>
     <p:spTree>
@@ -4484,7 +4721,7 @@
           <p:cNvPr id="2" name="Title 1">
             <a:extLst>
               <a:ext uri="{FF2B5EF4-FFF2-40B4-BE49-F238E27FC236}">
-                <a16:creationId xmlns:a16="http://schemas.microsoft.com/office/drawing/2014/main" id="{E8A4D8FB-E129-CE21-1D63-924A24585029}"/>
+                <a16:creationId xmlns:a16="http://schemas.microsoft.com/office/drawing/2014/main" id="{87739A78-5103-594E-9187-2D59BF3D50C9}"/>
               </a:ext>
             </a:extLst>
           </p:cNvPr>
@@ -4502,7 +4739,7 @@
           <a:p>
             <a:r>
               <a:rPr lang="en-US" dirty="0"/>
-              <a:t>Python Environment</a:t>
+              <a:t>Housekeeping</a:t>
             </a:r>
           </a:p>
         </p:txBody>
@@ -4512,7 +4749,7 @@
           <p:cNvPr id="3" name="Content Placeholder 2">
             <a:extLst>
               <a:ext uri="{FF2B5EF4-FFF2-40B4-BE49-F238E27FC236}">
-                <a16:creationId xmlns:a16="http://schemas.microsoft.com/office/drawing/2014/main" id="{19E7B3BB-A15E-812B-C7A8-9BC869348B70}"/>
+                <a16:creationId xmlns:a16="http://schemas.microsoft.com/office/drawing/2014/main" id="{7D41B467-5122-7D9D-CBA0-8511CA9DE542}"/>
               </a:ext>
             </a:extLst>
           </p:cNvPr>
@@ -4525,8 +4762,8 @@
         </p:nvSpPr>
         <p:spPr>
           <a:xfrm>
-            <a:off x="1451579" y="1853754"/>
-            <a:ext cx="9603275" cy="4199727"/>
+            <a:off x="1451579" y="2015732"/>
+            <a:ext cx="9603275" cy="4037749"/>
           </a:xfrm>
         </p:spPr>
         <p:txBody>
@@ -4535,73 +4772,69 @@
           <a:p>
             <a:r>
               <a:rPr lang="en-US" dirty="0"/>
-              <a:t>Our code runs locally inside of a python environment. </a:t>
+              <a:t>Assignment:</a:t>
             </a:r>
           </a:p>
           <a:p>
             <a:pPr lvl="1"/>
             <a:r>
               <a:rPr lang="en-US" dirty="0"/>
-              <a:t>That environment in turn runs on our machine. </a:t>
+              <a:t>Questions, issues, problems….</a:t>
+            </a:r>
+          </a:p>
+          <a:p>
+            <a:r>
+              <a:rPr lang="en-US" dirty="0"/>
+              <a:t>Last time:</a:t>
             </a:r>
           </a:p>
           <a:p>
             <a:pPr lvl="1"/>
             <a:r>
               <a:rPr lang="en-US" dirty="0"/>
-              <a:t>There is no direct connection from our code to machine. </a:t>
-            </a:r>
-          </a:p>
-          <a:p>
-            <a:r>
-              <a:rPr lang="en-US" dirty="0"/>
-              <a:t>To access local (i.e. on the PC) stuff we need to use some other tool/library. </a:t>
+              <a:t>Look at potential solution. </a:t>
+            </a:r>
+          </a:p>
+          <a:p>
+            <a:r>
+              <a:rPr lang="en-US" dirty="0"/>
+              <a:t>Today:</a:t>
             </a:r>
           </a:p>
           <a:p>
             <a:pPr lvl="1"/>
             <a:r>
               <a:rPr lang="en-US" dirty="0"/>
-              <a:t>There is a library that will exist in the environment that has file access functions. </a:t>
+              <a:t>File and system access. </a:t>
             </a:r>
           </a:p>
           <a:p>
             <a:pPr lvl="1"/>
             <a:r>
               <a:rPr lang="en-US" dirty="0"/>
-              <a:t>Inside of that library there is a function that interacts with the underlying machine. </a:t>
+              <a:t>Navigating file systems. </a:t>
             </a:r>
           </a:p>
           <a:p>
             <a:pPr lvl="1"/>
             <a:r>
               <a:rPr lang="en-US" dirty="0"/>
-              <a:t>The details of that “access machine” bit is a request from code-&gt;library-&gt;env-&gt;</a:t>
+              <a:t>Accessing remote files, compression, downloading, </a:t>
             </a:r>
             <a:r>
               <a:rPr lang="en-US" dirty="0" err="1"/>
-              <a:t>os</a:t>
-            </a:r>
-            <a:endParaRPr lang="en-US" dirty="0"/>
-          </a:p>
-          <a:p>
-            <a:r>
-              <a:rPr lang="en-US" dirty="0"/>
-              <a:t>Each install of Python on a machine provides its own “version” of this stuff. </a:t>
+              <a:t>etc</a:t>
+            </a:r>
+            <a:r>
+              <a:rPr lang="en-US" dirty="0"/>
+              <a:t>…</a:t>
             </a:r>
           </a:p>
           <a:p>
             <a:pPr lvl="1"/>
             <a:r>
               <a:rPr lang="en-US" dirty="0"/>
-              <a:t>I.e. opening a file is different on a Mac/PC, but the same for us. </a:t>
-            </a:r>
-          </a:p>
-          <a:p>
-            <a:pPr lvl="1"/>
-            <a:r>
-              <a:rPr lang="en-US" dirty="0"/>
-              <a:t>The Python install on each OS has the OS specific bits in it. </a:t>
+              <a:t>Easy and mostly informational – we can always look up the details of what to do. </a:t>
             </a:r>
           </a:p>
         </p:txBody>
@@ -4609,7 +4842,7 @@
     </p:spTree>
     <p:extLst>
       <p:ext uri="{BB962C8B-B14F-4D97-AF65-F5344CB8AC3E}">
-        <p14:creationId xmlns:p14="http://schemas.microsoft.com/office/powerpoint/2010/main" val="3219587079"/>
+        <p14:creationId xmlns:p14="http://schemas.microsoft.com/office/powerpoint/2010/main" val="3509555232"/>
       </p:ext>
     </p:extLst>
   </p:cSld>
@@ -4641,6 +4874,163 @@
           <p:cNvPr id="2" name="Title 1">
             <a:extLst>
               <a:ext uri="{FF2B5EF4-FFF2-40B4-BE49-F238E27FC236}">
+                <a16:creationId xmlns:a16="http://schemas.microsoft.com/office/drawing/2014/main" id="{E8A4D8FB-E129-CE21-1D63-924A24585029}"/>
+              </a:ext>
+            </a:extLst>
+          </p:cNvPr>
+          <p:cNvSpPr>
+            <a:spLocks noGrp="1"/>
+          </p:cNvSpPr>
+          <p:nvPr>
+            <p:ph type="title"/>
+          </p:nvPr>
+        </p:nvSpPr>
+        <p:spPr/>
+        <p:txBody>
+          <a:bodyPr/>
+          <a:lstStyle/>
+          <a:p>
+            <a:r>
+              <a:rPr lang="en-US" dirty="0"/>
+              <a:t>Python Environment</a:t>
+            </a:r>
+          </a:p>
+        </p:txBody>
+      </p:sp>
+      <p:sp>
+        <p:nvSpPr>
+          <p:cNvPr id="3" name="Content Placeholder 2">
+            <a:extLst>
+              <a:ext uri="{FF2B5EF4-FFF2-40B4-BE49-F238E27FC236}">
+                <a16:creationId xmlns:a16="http://schemas.microsoft.com/office/drawing/2014/main" id="{19E7B3BB-A15E-812B-C7A8-9BC869348B70}"/>
+              </a:ext>
+            </a:extLst>
+          </p:cNvPr>
+          <p:cNvSpPr>
+            <a:spLocks noGrp="1"/>
+          </p:cNvSpPr>
+          <p:nvPr>
+            <p:ph idx="1"/>
+          </p:nvPr>
+        </p:nvSpPr>
+        <p:spPr>
+          <a:xfrm>
+            <a:off x="1451579" y="1853754"/>
+            <a:ext cx="9603275" cy="4199727"/>
+          </a:xfrm>
+        </p:spPr>
+        <p:txBody>
+          <a:bodyPr/>
+          <a:lstStyle/>
+          <a:p>
+            <a:r>
+              <a:rPr lang="en-US" dirty="0"/>
+              <a:t>Our code runs locally inside of a python environment. </a:t>
+            </a:r>
+          </a:p>
+          <a:p>
+            <a:pPr lvl="1"/>
+            <a:r>
+              <a:rPr lang="en-US" dirty="0"/>
+              <a:t>That environment in turn runs on our machine. </a:t>
+            </a:r>
+          </a:p>
+          <a:p>
+            <a:pPr lvl="1"/>
+            <a:r>
+              <a:rPr lang="en-US" dirty="0"/>
+              <a:t>There is no direct connection from our code to machine. </a:t>
+            </a:r>
+          </a:p>
+          <a:p>
+            <a:r>
+              <a:rPr lang="en-US" dirty="0"/>
+              <a:t>To access local (i.e. on the PC) stuff we need to use some other tool/library. </a:t>
+            </a:r>
+          </a:p>
+          <a:p>
+            <a:pPr lvl="1"/>
+            <a:r>
+              <a:rPr lang="en-US" dirty="0"/>
+              <a:t>There is a library that will exist in the environment that has file access functions. </a:t>
+            </a:r>
+          </a:p>
+          <a:p>
+            <a:pPr lvl="1"/>
+            <a:r>
+              <a:rPr lang="en-US" dirty="0"/>
+              <a:t>Inside of that library there is a function that interacts with the underlying machine. </a:t>
+            </a:r>
+          </a:p>
+          <a:p>
+            <a:pPr lvl="1"/>
+            <a:r>
+              <a:rPr lang="en-US" dirty="0"/>
+              <a:t>The details of that “access machine” bit is a request from code-&gt;library-&gt;env-&gt;</a:t>
+            </a:r>
+            <a:r>
+              <a:rPr lang="en-US" dirty="0" err="1"/>
+              <a:t>os</a:t>
+            </a:r>
+            <a:endParaRPr lang="en-US" dirty="0"/>
+          </a:p>
+          <a:p>
+            <a:r>
+              <a:rPr lang="en-US" dirty="0"/>
+              <a:t>Each install of Python on a machine provides its own “version” of this stuff. </a:t>
+            </a:r>
+          </a:p>
+          <a:p>
+            <a:pPr lvl="1"/>
+            <a:r>
+              <a:rPr lang="en-US" dirty="0"/>
+              <a:t>I.e. opening a file is different on a Mac/PC, but the same for us. </a:t>
+            </a:r>
+          </a:p>
+          <a:p>
+            <a:pPr lvl="1"/>
+            <a:r>
+              <a:rPr lang="en-US" dirty="0"/>
+              <a:t>The Python install on each OS has the OS specific bits in it. </a:t>
+            </a:r>
+          </a:p>
+        </p:txBody>
+      </p:sp>
+    </p:spTree>
+    <p:extLst>
+      <p:ext uri="{BB962C8B-B14F-4D97-AF65-F5344CB8AC3E}">
+        <p14:creationId xmlns:p14="http://schemas.microsoft.com/office/powerpoint/2010/main" val="3219587079"/>
+      </p:ext>
+    </p:extLst>
+  </p:cSld>
+  <p:clrMapOvr>
+    <a:masterClrMapping/>
+  </p:clrMapOvr>
+</p:sld>
+</file>
+
+<file path=ppt/slides/slide4.xml><?xml version="1.0" encoding="utf-8"?>
+<p:sld xmlns:a="http://schemas.openxmlformats.org/drawingml/2006/main" xmlns:r="http://schemas.openxmlformats.org/officeDocument/2006/relationships" xmlns:p="http://schemas.openxmlformats.org/presentationml/2006/main">
+  <p:cSld>
+    <p:spTree>
+      <p:nvGrpSpPr>
+        <p:cNvPr id="1" name=""/>
+        <p:cNvGrpSpPr/>
+        <p:nvPr/>
+      </p:nvGrpSpPr>
+      <p:grpSpPr>
+        <a:xfrm>
+          <a:off x="0" y="0"/>
+          <a:ext cx="0" cy="0"/>
+          <a:chOff x="0" y="0"/>
+          <a:chExt cx="0" cy="0"/>
+        </a:xfrm>
+      </p:grpSpPr>
+      <p:sp>
+        <p:nvSpPr>
+          <p:cNvPr id="2" name="Title 1">
+            <a:extLst>
+              <a:ext uri="{FF2B5EF4-FFF2-40B4-BE49-F238E27FC236}">
                 <a16:creationId xmlns:a16="http://schemas.microsoft.com/office/drawing/2014/main" id="{52AA1871-9314-55D4-04FD-0379D4E42EC7}"/>
               </a:ext>
             </a:extLst>
@@ -4743,7 +5133,7 @@
 </p:sld>
 </file>
 
-<file path=ppt/slides/slide4.xml><?xml version="1.0" encoding="utf-8"?>
+<file path=ppt/slides/slide5.xml><?xml version="1.0" encoding="utf-8"?>
 <p:sld xmlns:a="http://schemas.openxmlformats.org/drawingml/2006/main" xmlns:r="http://schemas.openxmlformats.org/officeDocument/2006/relationships" xmlns:p="http://schemas.openxmlformats.org/presentationml/2006/main">
   <p:cSld>
     <p:bg>
@@ -4983,7 +5373,7 @@
 </p:sld>
 </file>
 
-<file path=ppt/slides/slide5.xml><?xml version="1.0" encoding="utf-8"?>
+<file path=ppt/slides/slide6.xml><?xml version="1.0" encoding="utf-8"?>
 <p:sld xmlns:a="http://schemas.openxmlformats.org/drawingml/2006/main" xmlns:r="http://schemas.openxmlformats.org/officeDocument/2006/relationships" xmlns:p="http://schemas.openxmlformats.org/presentationml/2006/main">
   <p:cSld>
     <p:spTree>
@@ -5136,7 +5526,7 @@
 </p:sld>
 </file>
 
-<file path=ppt/slides/slide6.xml><?xml version="1.0" encoding="utf-8"?>
+<file path=ppt/slides/slide7.xml><?xml version="1.0" encoding="utf-8"?>
 <p:sld xmlns:a="http://schemas.openxmlformats.org/drawingml/2006/main" xmlns:r="http://schemas.openxmlformats.org/officeDocument/2006/relationships" xmlns:p="http://schemas.openxmlformats.org/presentationml/2006/main">
   <p:cSld>
     <p:spTree>
@@ -5318,145 +5708,6 @@
 </p:sld>
 </file>
 
-<file path=ppt/slides/slide7.xml><?xml version="1.0" encoding="utf-8"?>
-<p:sld xmlns:a="http://schemas.openxmlformats.org/drawingml/2006/main" xmlns:r="http://schemas.openxmlformats.org/officeDocument/2006/relationships" xmlns:p="http://schemas.openxmlformats.org/presentationml/2006/main">
-  <p:cSld>
-    <p:spTree>
-      <p:nvGrpSpPr>
-        <p:cNvPr id="1" name=""/>
-        <p:cNvGrpSpPr/>
-        <p:nvPr/>
-      </p:nvGrpSpPr>
-      <p:grpSpPr>
-        <a:xfrm>
-          <a:off x="0" y="0"/>
-          <a:ext cx="0" cy="0"/>
-          <a:chOff x="0" y="0"/>
-          <a:chExt cx="0" cy="0"/>
-        </a:xfrm>
-      </p:grpSpPr>
-      <p:sp>
-        <p:nvSpPr>
-          <p:cNvPr id="2" name="Title 1">
-            <a:extLst>
-              <a:ext uri="{FF2B5EF4-FFF2-40B4-BE49-F238E27FC236}">
-                <a16:creationId xmlns:a16="http://schemas.microsoft.com/office/drawing/2014/main" id="{F67F8012-A53F-92CB-2912-87B135E73A2F}"/>
-              </a:ext>
-            </a:extLst>
-          </p:cNvPr>
-          <p:cNvSpPr>
-            <a:spLocks noGrp="1"/>
-          </p:cNvSpPr>
-          <p:nvPr>
-            <p:ph type="title"/>
-          </p:nvPr>
-        </p:nvSpPr>
-        <p:spPr/>
-        <p:txBody>
-          <a:bodyPr/>
-          <a:lstStyle/>
-          <a:p>
-            <a:r>
-              <a:rPr lang="en-US" dirty="0"/>
-              <a:t>File System Cont.</a:t>
-            </a:r>
-          </a:p>
-        </p:txBody>
-      </p:sp>
-      <p:sp>
-        <p:nvSpPr>
-          <p:cNvPr id="3" name="Content Placeholder 2">
-            <a:extLst>
-              <a:ext uri="{FF2B5EF4-FFF2-40B4-BE49-F238E27FC236}">
-                <a16:creationId xmlns:a16="http://schemas.microsoft.com/office/drawing/2014/main" id="{9460B2C9-0310-692B-99DE-93E21C861B35}"/>
-              </a:ext>
-            </a:extLst>
-          </p:cNvPr>
-          <p:cNvSpPr>
-            <a:spLocks noGrp="1"/>
-          </p:cNvSpPr>
-          <p:nvPr>
-            <p:ph idx="1"/>
-          </p:nvPr>
-        </p:nvSpPr>
-        <p:spPr>
-          <a:xfrm>
-            <a:off x="1451579" y="1853754"/>
-            <a:ext cx="9603275" cy="4199727"/>
-          </a:xfrm>
-        </p:spPr>
-        <p:txBody>
-          <a:bodyPr/>
-          <a:lstStyle/>
-          <a:p>
-            <a:r>
-              <a:rPr lang="en-US" dirty="0"/>
-              <a:t>Main file system actions are pretty simple – change directory, make/delete directory, make/delete a file, list the contents of a directory. </a:t>
-            </a:r>
-          </a:p>
-          <a:p>
-            <a:r>
-              <a:rPr lang="en-US" dirty="0"/>
-              <a:t>Each navigation command has it’s own function in the </a:t>
-            </a:r>
-            <a:r>
-              <a:rPr lang="en-US" dirty="0" err="1"/>
-              <a:t>os</a:t>
-            </a:r>
-            <a:r>
-              <a:rPr lang="en-US" dirty="0"/>
-              <a:t> library. </a:t>
-            </a:r>
-          </a:p>
-          <a:p>
-            <a:pPr lvl="1"/>
-            <a:r>
-              <a:rPr lang="en-US" dirty="0"/>
-              <a:t>E.g. </a:t>
-            </a:r>
-          </a:p>
-          <a:p>
-            <a:pPr lvl="1"/>
-            <a:r>
-              <a:rPr lang="en-US" dirty="0"/>
-              <a:t>Documented on the Python API page</a:t>
-            </a:r>
-          </a:p>
-          <a:p>
-            <a:r>
-              <a:rPr lang="en-US" dirty="0"/>
-              <a:t>These are all “basic” commands, meaning they are not the “friendly” versions in the OS.</a:t>
-            </a:r>
-          </a:p>
-          <a:p>
-            <a:pPr lvl="1"/>
-            <a:r>
-              <a:rPr lang="en-US" dirty="0"/>
-              <a:t>No error checking, confirmation, easy shortcuts… The OS manages some details for us. </a:t>
-            </a:r>
-          </a:p>
-          <a:p>
-            <a:pPr lvl="1"/>
-            <a:r>
-              <a:rPr lang="en-US" dirty="0"/>
-              <a:t>E.g. a folder must be empty to be deleted, a file can’t be open to be moved…</a:t>
-            </a:r>
-          </a:p>
-        </p:txBody>
-      </p:sp>
-    </p:spTree>
-    <p:extLst>
-      <p:ext uri="{BB962C8B-B14F-4D97-AF65-F5344CB8AC3E}">
-        <p14:creationId xmlns:p14="http://schemas.microsoft.com/office/powerpoint/2010/main" val="393515290"/>
-      </p:ext>
-    </p:extLst>
-  </p:cSld>
-  <p:clrMapOvr>
-    <a:masterClrMapping/>
-  </p:clrMapOvr>
-</p:sld>
-</file>
-
 <file path=ppt/slides/slide8.xml><?xml version="1.0" encoding="utf-8"?>
 <p:sld xmlns:a="http://schemas.openxmlformats.org/drawingml/2006/main" xmlns:r="http://schemas.openxmlformats.org/officeDocument/2006/relationships" xmlns:p="http://schemas.openxmlformats.org/presentationml/2006/main">
   <p:cSld>
@@ -5479,7 +5730,7 @@
           <p:cNvPr id="2" name="Title 1">
             <a:extLst>
               <a:ext uri="{FF2B5EF4-FFF2-40B4-BE49-F238E27FC236}">
-                <a16:creationId xmlns:a16="http://schemas.microsoft.com/office/drawing/2014/main" id="{2EE061C7-9F8E-785E-E844-58FA5DEB538B}"/>
+                <a16:creationId xmlns:a16="http://schemas.microsoft.com/office/drawing/2014/main" id="{F67F8012-A53F-92CB-2912-87B135E73A2F}"/>
               </a:ext>
             </a:extLst>
           </p:cNvPr>
@@ -5497,7 +5748,7 @@
           <a:p>
             <a:r>
               <a:rPr lang="en-US" dirty="0"/>
-              <a:t>Read and Write</a:t>
+              <a:t>File System Cont.</a:t>
             </a:r>
           </a:p>
         </p:txBody>
@@ -5507,7 +5758,7 @@
           <p:cNvPr id="3" name="Content Placeholder 2">
             <a:extLst>
               <a:ext uri="{FF2B5EF4-FFF2-40B4-BE49-F238E27FC236}">
-                <a16:creationId xmlns:a16="http://schemas.microsoft.com/office/drawing/2014/main" id="{7144767D-D10F-0A66-DF21-0C5CEA57E49E}"/>
+                <a16:creationId xmlns:a16="http://schemas.microsoft.com/office/drawing/2014/main" id="{9460B2C9-0310-692B-99DE-93E21C861B35}"/>
               </a:ext>
             </a:extLst>
           </p:cNvPr>
@@ -5520,8 +5771,8 @@
         </p:nvSpPr>
         <p:spPr>
           <a:xfrm>
-            <a:off x="1451579" y="1927412"/>
-            <a:ext cx="9603275" cy="4126069"/>
+            <a:off x="1451579" y="1853754"/>
+            <a:ext cx="9603275" cy="4199727"/>
           </a:xfrm>
         </p:spPr>
         <p:txBody>
@@ -5530,58 +5781,13 @@
           <a:p>
             <a:r>
               <a:rPr lang="en-US" dirty="0"/>
-              <a:t>We can natively read and write anything that is text based. </a:t>
-            </a:r>
-          </a:p>
-          <a:p>
-            <a:pPr lvl="1"/>
-            <a:r>
-              <a:rPr lang="en-US" dirty="0"/>
-              <a:t>CSV, txt, </a:t>
-            </a:r>
-            <a:r>
-              <a:rPr lang="en-US" dirty="0" err="1"/>
-              <a:t>tsv</a:t>
-            </a:r>
-            <a:r>
-              <a:rPr lang="en-US" dirty="0"/>
-              <a:t>, </a:t>
-            </a:r>
-            <a:r>
-              <a:rPr lang="en-US" dirty="0" err="1"/>
-              <a:t>etc</a:t>
-            </a:r>
-            <a:r>
-              <a:rPr lang="en-US" dirty="0"/>
-              <a:t>…</a:t>
-            </a:r>
-          </a:p>
-          <a:p>
-            <a:pPr lvl="1"/>
-            <a:r>
-              <a:rPr lang="en-US" dirty="0"/>
-              <a:t>These text files are literally just that, text, even with different extensions. </a:t>
-            </a:r>
-          </a:p>
-          <a:p>
-            <a:pPr lvl="1"/>
-            <a:r>
-              <a:rPr lang="en-US" dirty="0"/>
-              <a:t>Other files, such as Excel/Word/PDF/</a:t>
-            </a:r>
-            <a:r>
-              <a:rPr lang="en-US" dirty="0" err="1"/>
-              <a:t>etc</a:t>
-            </a:r>
-            <a:r>
-              <a:rPr lang="en-US" dirty="0"/>
-              <a:t>… require a library that translates for us. </a:t>
-            </a:r>
-          </a:p>
-          <a:p>
-            <a:r>
-              <a:rPr lang="en-US" dirty="0"/>
-              <a:t>Simple reading and writing of files can be done with the </a:t>
+              <a:t>Main file system actions are pretty simple – change directory, make/delete directory, make/delete a file, list the contents of a directory. </a:t>
+            </a:r>
+          </a:p>
+          <a:p>
+            <a:r>
+              <a:rPr lang="en-US" dirty="0"/>
+              <a:t>Each navigation command has it’s own function in the </a:t>
             </a:r>
             <a:r>
               <a:rPr lang="en-US" dirty="0" err="1"/>
@@ -5596,20 +5802,34 @@
             <a:pPr lvl="1"/>
             <a:r>
               <a:rPr lang="en-US" dirty="0"/>
-              <a:t>E.g. if we wanted to write all of the errors from our program into a log file. </a:t>
-            </a:r>
-          </a:p>
-          <a:p>
-            <a:r>
-              <a:rPr lang="en-US" dirty="0"/>
-              <a:t>This all relies on the locations pointer that tells us what folder we are in. </a:t>
+              <a:t>E.g. </a:t>
             </a:r>
           </a:p>
           <a:p>
             <a:pPr lvl="1"/>
             <a:r>
               <a:rPr lang="en-US" dirty="0"/>
-              <a:t>That pointer doesn’t reset itself every time code is run, it “belongs” to the session. </a:t>
+              <a:t>Documented on the Python API page</a:t>
+            </a:r>
+          </a:p>
+          <a:p>
+            <a:r>
+              <a:rPr lang="en-US" dirty="0"/>
+              <a:t>These are all “basic” commands, meaning they are not the “friendly” versions in the OS.</a:t>
+            </a:r>
+          </a:p>
+          <a:p>
+            <a:pPr lvl="1"/>
+            <a:r>
+              <a:rPr lang="en-US" dirty="0"/>
+              <a:t>No error checking, confirmation, easy shortcuts… The OS manages some details for us. </a:t>
+            </a:r>
+          </a:p>
+          <a:p>
+            <a:pPr lvl="1"/>
+            <a:r>
+              <a:rPr lang="en-US" dirty="0"/>
+              <a:t>E.g. a folder must be empty to be deleted, a file can’t be open to be moved…</a:t>
             </a:r>
           </a:p>
         </p:txBody>
@@ -5617,7 +5837,7 @@
     </p:spTree>
     <p:extLst>
       <p:ext uri="{BB962C8B-B14F-4D97-AF65-F5344CB8AC3E}">
-        <p14:creationId xmlns:p14="http://schemas.microsoft.com/office/powerpoint/2010/main" val="3113511348"/>
+        <p14:creationId xmlns:p14="http://schemas.microsoft.com/office/powerpoint/2010/main" val="393515290"/>
       </p:ext>
     </p:extLst>
   </p:cSld>
@@ -5630,30 +5850,6 @@
 <file path=ppt/slides/slide9.xml><?xml version="1.0" encoding="utf-8"?>
 <p:sld xmlns:a="http://schemas.openxmlformats.org/drawingml/2006/main" xmlns:r="http://schemas.openxmlformats.org/officeDocument/2006/relationships" xmlns:p="http://schemas.openxmlformats.org/presentationml/2006/main">
   <p:cSld>
-    <p:bg>
-      <p:bgPr>
-        <a:gradFill rotWithShape="1">
-          <a:gsLst>
-            <a:gs pos="0">
-              <a:schemeClr val="bg2">
-                <a:tint val="94000"/>
-                <a:satMod val="80000"/>
-                <a:lumMod val="106000"/>
-              </a:schemeClr>
-            </a:gs>
-            <a:gs pos="100000">
-              <a:schemeClr val="bg2">
-                <a:shade val="80000"/>
-              </a:schemeClr>
-            </a:gs>
-          </a:gsLst>
-          <a:path path="circle">
-            <a:fillToRect l="43000" r="43000" b="100000"/>
-          </a:path>
-        </a:gradFill>
-        <a:effectLst/>
-      </p:bgPr>
-    </p:bg>
     <p:spTree>
       <p:nvGrpSpPr>
         <p:cNvPr id="1" name=""/>
@@ -5673,7 +5869,7 @@
           <p:cNvPr id="2" name="Title 1">
             <a:extLst>
               <a:ext uri="{FF2B5EF4-FFF2-40B4-BE49-F238E27FC236}">
-                <a16:creationId xmlns:a16="http://schemas.microsoft.com/office/drawing/2014/main" id="{629AC404-42A8-25F8-2A50-744E845306B1}"/>
+                <a16:creationId xmlns:a16="http://schemas.microsoft.com/office/drawing/2014/main" id="{2EE061C7-9F8E-785E-E844-58FA5DEB538B}"/>
               </a:ext>
             </a:extLst>
           </p:cNvPr>
@@ -5684,21 +5880,14 @@
             <p:ph type="title"/>
           </p:nvPr>
         </p:nvSpPr>
-        <p:spPr>
-          <a:xfrm>
-            <a:off x="1451579" y="804519"/>
-            <a:ext cx="9603275" cy="1049235"/>
-          </a:xfrm>
-        </p:spPr>
-        <p:txBody>
-          <a:bodyPr>
-            <a:normAutofit/>
-          </a:bodyPr>
-          <a:lstStyle/>
-          <a:p>
-            <a:r>
-              <a:rPr lang="en-US" dirty="0"/>
-              <a:t>Come !!With!! Me</a:t>
+        <p:spPr/>
+        <p:txBody>
+          <a:bodyPr/>
+          <a:lstStyle/>
+          <a:p>
+            <a:r>
+              <a:rPr lang="en-US" dirty="0"/>
+              <a:t>Read and Write</a:t>
             </a:r>
           </a:p>
         </p:txBody>
@@ -5708,7 +5897,7 @@
           <p:cNvPr id="3" name="Content Placeholder 2">
             <a:extLst>
               <a:ext uri="{FF2B5EF4-FFF2-40B4-BE49-F238E27FC236}">
-                <a16:creationId xmlns:a16="http://schemas.microsoft.com/office/drawing/2014/main" id="{1BB24D7F-7876-B911-2967-54C0686C34AB}"/>
+                <a16:creationId xmlns:a16="http://schemas.microsoft.com/office/drawing/2014/main" id="{7144767D-D10F-0A66-DF21-0C5CEA57E49E}"/>
               </a:ext>
             </a:extLst>
           </p:cNvPr>
@@ -5721,139 +5910,104 @@
         </p:nvSpPr>
         <p:spPr>
           <a:xfrm>
-            <a:off x="4660419" y="1851432"/>
-            <a:ext cx="7531581" cy="4271462"/>
+            <a:off x="1451579" y="1927412"/>
+            <a:ext cx="9603275" cy="4126069"/>
           </a:xfrm>
         </p:spPr>
         <p:txBody>
-          <a:bodyPr>
-            <a:normAutofit/>
-          </a:bodyPr>
-          <a:lstStyle/>
-          <a:p>
-            <a:pPr>
-              <a:lnSpc>
-                <a:spcPct val="110000"/>
-              </a:lnSpc>
-            </a:pPr>
-            <a:r>
-              <a:rPr lang="en-US" dirty="0"/>
-              <a:t>File reading/writing operations often use weird syntax - “with”. </a:t>
-            </a:r>
-          </a:p>
-          <a:p>
-            <a:pPr>
-              <a:lnSpc>
-                <a:spcPct val="110000"/>
-              </a:lnSpc>
-            </a:pPr>
-            <a:r>
-              <a:rPr lang="en-US" dirty="0"/>
-              <a:t>With is a shortcut that can make the error prone file stuff easier. </a:t>
-            </a:r>
-          </a:p>
-          <a:p>
-            <a:pPr lvl="1">
-              <a:lnSpc>
-                <a:spcPct val="110000"/>
-              </a:lnSpc>
-            </a:pPr>
-            <a:r>
-              <a:rPr lang="en-US" sz="2000" dirty="0"/>
-              <a:t>With “handles” maintaining the connection to a file. </a:t>
-            </a:r>
-          </a:p>
-          <a:p>
-            <a:pPr lvl="1">
-              <a:lnSpc>
-                <a:spcPct val="110000"/>
-              </a:lnSpc>
-            </a:pPr>
-            <a:r>
-              <a:rPr lang="en-US" sz="2000" dirty="0"/>
-              <a:t>To access a file we need to find it, open it, lock* it, release it, then close the connection (so others can use the file). </a:t>
-            </a:r>
-          </a:p>
-          <a:p>
-            <a:pPr lvl="1">
-              <a:lnSpc>
-                <a:spcPct val="110000"/>
-              </a:lnSpc>
-            </a:pPr>
-            <a:r>
-              <a:rPr lang="en-US" sz="2000" dirty="0"/>
-              <a:t>File access is exception prone (e.g. missing file, disk removed…) </a:t>
-            </a:r>
-          </a:p>
-          <a:p>
-            <a:pPr>
-              <a:lnSpc>
-                <a:spcPct val="110000"/>
-              </a:lnSpc>
-            </a:pPr>
-            <a:r>
-              <a:rPr lang="en-US" sz="2200" dirty="0"/>
-              <a:t>The two examples are equivalent. </a:t>
-            </a:r>
-          </a:p>
-          <a:p>
-            <a:pPr lvl="1">
-              <a:lnSpc>
-                <a:spcPct val="110000"/>
-              </a:lnSpc>
-            </a:pPr>
-            <a:r>
-              <a:rPr lang="en-US" sz="2000" dirty="0"/>
-              <a:t>With ensures that the writing is done ‘in’ the file that is open, and that it closes that connection when that part is done. </a:t>
-            </a:r>
-          </a:p>
-          <a:p>
-            <a:pPr lvl="1">
-              <a:lnSpc>
-                <a:spcPct val="110000"/>
-              </a:lnSpc>
-            </a:pPr>
-            <a:r>
-              <a:rPr lang="en-US" sz="2000" dirty="0"/>
-              <a:t>“Maintain this file connection as long as needed, then close it."</a:t>
-            </a:r>
-          </a:p>
-        </p:txBody>
-      </p:sp>
-      <p:pic>
-        <p:nvPicPr>
-          <p:cNvPr id="4" name="Picture 3">
-            <a:extLst>
-              <a:ext uri="{FF2B5EF4-FFF2-40B4-BE49-F238E27FC236}">
-                <a16:creationId xmlns:a16="http://schemas.microsoft.com/office/drawing/2014/main" id="{E33C8972-7764-EFEB-4993-A4FB8F68AA55}"/>
-              </a:ext>
-            </a:extLst>
-          </p:cNvPr>
-          <p:cNvPicPr>
-            <a:picLocks noChangeAspect="1"/>
-          </p:cNvPicPr>
-          <p:nvPr/>
-        </p:nvPicPr>
-        <p:blipFill>
-          <a:blip r:embed="rId2"/>
-          <a:stretch>
-            <a:fillRect/>
-          </a:stretch>
-        </p:blipFill>
-        <p:spPr>
-          <a:xfrm>
-            <a:off x="0" y="1851432"/>
-            <a:ext cx="4660419" cy="4683839"/>
-          </a:xfrm>
-          <a:prstGeom prst="rect">
-            <a:avLst/>
-          </a:prstGeom>
-        </p:spPr>
-      </p:pic>
+          <a:bodyPr/>
+          <a:lstStyle/>
+          <a:p>
+            <a:r>
+              <a:rPr lang="en-US" dirty="0"/>
+              <a:t>We can natively read and write anything that is text based. </a:t>
+            </a:r>
+          </a:p>
+          <a:p>
+            <a:pPr lvl="1"/>
+            <a:r>
+              <a:rPr lang="en-US" dirty="0"/>
+              <a:t>CSV, txt, </a:t>
+            </a:r>
+            <a:r>
+              <a:rPr lang="en-US" dirty="0" err="1"/>
+              <a:t>tsv</a:t>
+            </a:r>
+            <a:r>
+              <a:rPr lang="en-US" dirty="0"/>
+              <a:t>, </a:t>
+            </a:r>
+            <a:r>
+              <a:rPr lang="en-US" dirty="0" err="1"/>
+              <a:t>etc</a:t>
+            </a:r>
+            <a:r>
+              <a:rPr lang="en-US" dirty="0"/>
+              <a:t>…</a:t>
+            </a:r>
+          </a:p>
+          <a:p>
+            <a:pPr lvl="1"/>
+            <a:r>
+              <a:rPr lang="en-US" dirty="0"/>
+              <a:t>These text files are literally just that, text, even with different extensions. </a:t>
+            </a:r>
+          </a:p>
+          <a:p>
+            <a:pPr lvl="1"/>
+            <a:r>
+              <a:rPr lang="en-US" dirty="0"/>
+              <a:t>Other files, such as Excel/Word/PDF/</a:t>
+            </a:r>
+            <a:r>
+              <a:rPr lang="en-US" dirty="0" err="1"/>
+              <a:t>etc</a:t>
+            </a:r>
+            <a:r>
+              <a:rPr lang="en-US" dirty="0"/>
+              <a:t>… require a library that translates for us. </a:t>
+            </a:r>
+          </a:p>
+          <a:p>
+            <a:r>
+              <a:rPr lang="en-US" dirty="0"/>
+              <a:t>Simple reading and writing of files can be done with the </a:t>
+            </a:r>
+            <a:r>
+              <a:rPr lang="en-US" dirty="0" err="1"/>
+              <a:t>os</a:t>
+            </a:r>
+            <a:r>
+              <a:rPr lang="en-US" dirty="0"/>
+              <a:t> library. </a:t>
+            </a:r>
+          </a:p>
+          <a:p>
+            <a:pPr lvl="1"/>
+            <a:r>
+              <a:rPr lang="en-US" dirty="0"/>
+              <a:t>E.g. if we wanted to write all of the errors from our program into a log file. </a:t>
+            </a:r>
+          </a:p>
+          <a:p>
+            <a:r>
+              <a:rPr lang="en-US" dirty="0"/>
+              <a:t>This all relies on the locations pointer that tells us what folder we are in. </a:t>
+            </a:r>
+          </a:p>
+          <a:p>
+            <a:pPr lvl="1"/>
+            <a:r>
+              <a:rPr lang="en-US" dirty="0"/>
+              <a:t>That pointer doesn’t reset itself every time code is run, it “belongs” to the session. </a:t>
+            </a:r>
+          </a:p>
+        </p:txBody>
+      </p:sp>
     </p:spTree>
     <p:extLst>
       <p:ext uri="{BB962C8B-B14F-4D97-AF65-F5344CB8AC3E}">
-        <p14:creationId xmlns:p14="http://schemas.microsoft.com/office/powerpoint/2010/main" val="921419962"/>
+        <p14:creationId xmlns:p14="http://schemas.microsoft.com/office/powerpoint/2010/main" val="3113511348"/>
       </p:ext>
     </p:extLst>
   </p:cSld>

--- a/course_material/slides/os_system.pptx
+++ b/course_material/slides/os_system.pptx
@@ -5,8 +5,8 @@
     <p:sldMasterId id="2147483660" r:id="rId1"/>
   </p:sldMasterIdLst>
   <p:sldIdLst>
-    <p:sldId id="256" r:id="rId2"/>
-    <p:sldId id="272" r:id="rId3"/>
+    <p:sldId id="272" r:id="rId2"/>
+    <p:sldId id="256" r:id="rId3"/>
     <p:sldId id="258" r:id="rId4"/>
     <p:sldId id="257" r:id="rId5"/>
     <p:sldId id="265" r:id="rId6"/>
@@ -3639,7 +3639,7 @@
           <p:cNvPr id="2" name="Title 1">
             <a:extLst>
               <a:ext uri="{FF2B5EF4-FFF2-40B4-BE49-F238E27FC236}">
-                <a16:creationId xmlns:a16="http://schemas.microsoft.com/office/drawing/2014/main" id="{E377F6AF-79D5-536F-B1EF-CBA39AAC0D6B}"/>
+                <a16:creationId xmlns:a16="http://schemas.microsoft.com/office/drawing/2014/main" id="{87739A78-5103-594E-9187-2D59BF3D50C9}"/>
               </a:ext>
             </a:extLst>
           </p:cNvPr>
@@ -3647,7 +3647,7 @@
             <a:spLocks noGrp="1"/>
           </p:cNvSpPr>
           <p:nvPr>
-            <p:ph type="ctrTitle"/>
+            <p:ph type="title"/>
           </p:nvPr>
         </p:nvSpPr>
         <p:spPr/>
@@ -3657,17 +3657,17 @@
           <a:p>
             <a:r>
               <a:rPr lang="en-US" dirty="0"/>
-              <a:t>Interacting with the OS</a:t>
-            </a:r>
-          </a:p>
-        </p:txBody>
-      </p:sp>
-      <p:sp>
-        <p:nvSpPr>
-          <p:cNvPr id="3" name="Subtitle 2">
+              <a:t>Housekeeping</a:t>
+            </a:r>
+          </a:p>
+        </p:txBody>
+      </p:sp>
+      <p:sp>
+        <p:nvSpPr>
+          <p:cNvPr id="3" name="Content Placeholder 2">
             <a:extLst>
               <a:ext uri="{FF2B5EF4-FFF2-40B4-BE49-F238E27FC236}">
-                <a16:creationId xmlns:a16="http://schemas.microsoft.com/office/drawing/2014/main" id="{362D0816-1944-142B-AF35-7EA52EF33F16}"/>
+                <a16:creationId xmlns:a16="http://schemas.microsoft.com/office/drawing/2014/main" id="{7D41B467-5122-7D9D-CBA0-8511CA9DE542}"/>
               </a:ext>
             </a:extLst>
           </p:cNvPr>
@@ -3675,22 +3675,92 @@
             <a:spLocks noGrp="1"/>
           </p:cNvSpPr>
           <p:nvPr>
-            <p:ph type="subTitle" idx="1"/>
-          </p:nvPr>
-        </p:nvSpPr>
-        <p:spPr/>
-        <p:txBody>
-          <a:bodyPr/>
-          <a:lstStyle/>
-          <a:p>
-            <a:endParaRPr lang="en-US"/>
+            <p:ph idx="1"/>
+          </p:nvPr>
+        </p:nvSpPr>
+        <p:spPr>
+          <a:xfrm>
+            <a:off x="1451579" y="2015732"/>
+            <a:ext cx="9603275" cy="4037749"/>
+          </a:xfrm>
+        </p:spPr>
+        <p:txBody>
+          <a:bodyPr/>
+          <a:lstStyle/>
+          <a:p>
+            <a:r>
+              <a:rPr lang="en-US" dirty="0"/>
+              <a:t>Assignment:</a:t>
+            </a:r>
+          </a:p>
+          <a:p>
+            <a:pPr lvl="1"/>
+            <a:r>
+              <a:rPr lang="en-US" dirty="0"/>
+              <a:t>Questions, issues, problems….</a:t>
+            </a:r>
+          </a:p>
+          <a:p>
+            <a:r>
+              <a:rPr lang="en-US" dirty="0"/>
+              <a:t>Last time:</a:t>
+            </a:r>
+          </a:p>
+          <a:p>
+            <a:pPr lvl="1"/>
+            <a:r>
+              <a:rPr lang="en-US" dirty="0"/>
+              <a:t>Look at potential solution. </a:t>
+            </a:r>
+          </a:p>
+          <a:p>
+            <a:r>
+              <a:rPr lang="en-US" dirty="0"/>
+              <a:t>Today:</a:t>
+            </a:r>
+          </a:p>
+          <a:p>
+            <a:pPr lvl="1"/>
+            <a:r>
+              <a:rPr lang="en-US" dirty="0"/>
+              <a:t>File and system access. </a:t>
+            </a:r>
+          </a:p>
+          <a:p>
+            <a:pPr lvl="1"/>
+            <a:r>
+              <a:rPr lang="en-US" dirty="0"/>
+              <a:t>Navigating file systems. </a:t>
+            </a:r>
+          </a:p>
+          <a:p>
+            <a:pPr lvl="1"/>
+            <a:r>
+              <a:rPr lang="en-US" dirty="0"/>
+              <a:t>Accessing remote files, compression, downloading, </a:t>
+            </a:r>
+            <a:r>
+              <a:rPr lang="en-US" dirty="0" err="1"/>
+              <a:t>etc</a:t>
+            </a:r>
+            <a:r>
+              <a:rPr lang="en-US" dirty="0"/>
+              <a:t>…</a:t>
+            </a:r>
+          </a:p>
+          <a:p>
+            <a:pPr lvl="1"/>
+            <a:r>
+              <a:rPr lang="en-US" dirty="0"/>
+              <a:t>Easy and mostly informational – we can always look up the details of what to do. </a:t>
+            </a:r>
           </a:p>
         </p:txBody>
       </p:sp>
     </p:spTree>
     <p:extLst>
       <p:ext uri="{BB962C8B-B14F-4D97-AF65-F5344CB8AC3E}">
-        <p14:creationId xmlns:p14="http://schemas.microsoft.com/office/powerpoint/2010/main" val="2680551221"/>
+        <p14:creationId xmlns:p14="http://schemas.microsoft.com/office/powerpoint/2010/main" val="3509555232"/>
       </p:ext>
     </p:extLst>
   </p:cSld>
@@ -4721,7 +4791,7 @@
           <p:cNvPr id="2" name="Title 1">
             <a:extLst>
               <a:ext uri="{FF2B5EF4-FFF2-40B4-BE49-F238E27FC236}">
-                <a16:creationId xmlns:a16="http://schemas.microsoft.com/office/drawing/2014/main" id="{87739A78-5103-594E-9187-2D59BF3D50C9}"/>
+                <a16:creationId xmlns:a16="http://schemas.microsoft.com/office/drawing/2014/main" id="{E377F6AF-79D5-536F-B1EF-CBA39AAC0D6B}"/>
               </a:ext>
             </a:extLst>
           </p:cNvPr>
@@ -4729,7 +4799,7 @@
             <a:spLocks noGrp="1"/>
           </p:cNvSpPr>
           <p:nvPr>
-            <p:ph type="title"/>
+            <p:ph type="ctrTitle"/>
           </p:nvPr>
         </p:nvSpPr>
         <p:spPr/>
@@ -4739,17 +4809,17 @@
           <a:p>
             <a:r>
               <a:rPr lang="en-US" dirty="0"/>
-              <a:t>Housekeeping</a:t>
-            </a:r>
-          </a:p>
-        </p:txBody>
-      </p:sp>
-      <p:sp>
-        <p:nvSpPr>
-          <p:cNvPr id="3" name="Content Placeholder 2">
+              <a:t>Interacting with the OS</a:t>
+            </a:r>
+          </a:p>
+        </p:txBody>
+      </p:sp>
+      <p:sp>
+        <p:nvSpPr>
+          <p:cNvPr id="3" name="Subtitle 2">
             <a:extLst>
               <a:ext uri="{FF2B5EF4-FFF2-40B4-BE49-F238E27FC236}">
-                <a16:creationId xmlns:a16="http://schemas.microsoft.com/office/drawing/2014/main" id="{7D41B467-5122-7D9D-CBA0-8511CA9DE542}"/>
+                <a16:creationId xmlns:a16="http://schemas.microsoft.com/office/drawing/2014/main" id="{362D0816-1944-142B-AF35-7EA52EF33F16}"/>
               </a:ext>
             </a:extLst>
           </p:cNvPr>
@@ -4757,92 +4827,22 @@
             <a:spLocks noGrp="1"/>
           </p:cNvSpPr>
           <p:nvPr>
-            <p:ph idx="1"/>
-          </p:nvPr>
-        </p:nvSpPr>
-        <p:spPr>
-          <a:xfrm>
-            <a:off x="1451579" y="2015732"/>
-            <a:ext cx="9603275" cy="4037749"/>
-          </a:xfrm>
-        </p:spPr>
-        <p:txBody>
-          <a:bodyPr/>
-          <a:lstStyle/>
-          <a:p>
-            <a:r>
-              <a:rPr lang="en-US" dirty="0"/>
-              <a:t>Assignment:</a:t>
-            </a:r>
-          </a:p>
-          <a:p>
-            <a:pPr lvl="1"/>
-            <a:r>
-              <a:rPr lang="en-US" dirty="0"/>
-              <a:t>Questions, issues, problems….</a:t>
-            </a:r>
-          </a:p>
-          <a:p>
-            <a:r>
-              <a:rPr lang="en-US" dirty="0"/>
-              <a:t>Last time:</a:t>
-            </a:r>
-          </a:p>
-          <a:p>
-            <a:pPr lvl="1"/>
-            <a:r>
-              <a:rPr lang="en-US" dirty="0"/>
-              <a:t>Look at potential solution. </a:t>
-            </a:r>
-          </a:p>
-          <a:p>
-            <a:r>
-              <a:rPr lang="en-US" dirty="0"/>
-              <a:t>Today:</a:t>
-            </a:r>
-          </a:p>
-          <a:p>
-            <a:pPr lvl="1"/>
-            <a:r>
-              <a:rPr lang="en-US" dirty="0"/>
-              <a:t>File and system access. </a:t>
-            </a:r>
-          </a:p>
-          <a:p>
-            <a:pPr lvl="1"/>
-            <a:r>
-              <a:rPr lang="en-US" dirty="0"/>
-              <a:t>Navigating file systems. </a:t>
-            </a:r>
-          </a:p>
-          <a:p>
-            <a:pPr lvl="1"/>
-            <a:r>
-              <a:rPr lang="en-US" dirty="0"/>
-              <a:t>Accessing remote files, compression, downloading, </a:t>
-            </a:r>
-            <a:r>
-              <a:rPr lang="en-US" dirty="0" err="1"/>
-              <a:t>etc</a:t>
-            </a:r>
-            <a:r>
-              <a:rPr lang="en-US" dirty="0"/>
-              <a:t>…</a:t>
-            </a:r>
-          </a:p>
-          <a:p>
-            <a:pPr lvl="1"/>
-            <a:r>
-              <a:rPr lang="en-US" dirty="0"/>
-              <a:t>Easy and mostly informational – we can always look up the details of what to do. </a:t>
-            </a:r>
+            <p:ph type="subTitle" idx="1"/>
+          </p:nvPr>
+        </p:nvSpPr>
+        <p:spPr/>
+        <p:txBody>
+          <a:bodyPr/>
+          <a:lstStyle/>
+          <a:p>
+            <a:endParaRPr lang="en-US"/>
           </a:p>
         </p:txBody>
       </p:sp>
     </p:spTree>
     <p:extLst>
       <p:ext uri="{BB962C8B-B14F-4D97-AF65-F5344CB8AC3E}">
-        <p14:creationId xmlns:p14="http://schemas.microsoft.com/office/powerpoint/2010/main" val="3509555232"/>
+        <p14:creationId xmlns:p14="http://schemas.microsoft.com/office/powerpoint/2010/main" val="2680551221"/>
       </p:ext>
     </p:extLst>
   </p:cSld>
@@ -5802,34 +5802,33 @@
             <a:pPr lvl="1"/>
             <a:r>
               <a:rPr lang="en-US" dirty="0"/>
-              <a:t>E.g. </a:t>
+              <a:t>Documented on the Python API page</a:t>
+            </a:r>
+          </a:p>
+          <a:p>
+            <a:r>
+              <a:rPr lang="en-US" dirty="0"/>
+              <a:t>These are all “basic” commands, meaning they are not the “friendly” versions in the OS.</a:t>
             </a:r>
           </a:p>
           <a:p>
             <a:pPr lvl="1"/>
             <a:r>
               <a:rPr lang="en-US" dirty="0"/>
-              <a:t>Documented on the Python API page</a:t>
-            </a:r>
-          </a:p>
-          <a:p>
-            <a:r>
-              <a:rPr lang="en-US" dirty="0"/>
-              <a:t>These are all “basic” commands, meaning they are not the “friendly” versions in the OS.</a:t>
+              <a:t>No error checking, confirmation, easy shortcuts… The OS manages some details for us. </a:t>
             </a:r>
           </a:p>
           <a:p>
             <a:pPr lvl="1"/>
             <a:r>
               <a:rPr lang="en-US" dirty="0"/>
-              <a:t>No error checking, confirmation, easy shortcuts… The OS manages some details for us. </a:t>
-            </a:r>
-          </a:p>
-          <a:p>
-            <a:pPr lvl="1"/>
-            <a:r>
-              <a:rPr lang="en-US" dirty="0"/>
               <a:t>E.g. a folder must be empty to be deleted, a file can’t be open to be moved…</a:t>
+            </a:r>
+          </a:p>
+          <a:p>
+            <a:r>
+              <a:rPr lang="en-US" dirty="0"/>
+              <a:t>One notable function for navigating the file system is walk – it will “walk” up or down through folder levels. </a:t>
             </a:r>
           </a:p>
         </p:txBody>
@@ -5917,6 +5916,12 @@
         <p:txBody>
           <a:bodyPr/>
           <a:lstStyle/>
+          <a:p>
+            <a:r>
+              <a:rPr lang="en-US" dirty="0"/>
+              <a:t>Once we navigate to the file we want, we can edit it. </a:t>
+            </a:r>
+          </a:p>
           <a:p>
             <a:r>
               <a:rPr lang="en-US" dirty="0"/>
